--- a/Slides/PH223_Lecture_12.pptx
+++ b/Slides/PH223_Lecture_12.pptx
@@ -6,23 +6,27 @@
   </p:sldMasterIdLst>
   <p:sldIdLst>
     <p:sldId id="256" r:id="rId2"/>
-    <p:sldId id="257" r:id="rId3"/>
-    <p:sldId id="260" r:id="rId4"/>
-    <p:sldId id="261" r:id="rId5"/>
-    <p:sldId id="262" r:id="rId6"/>
-    <p:sldId id="258" r:id="rId7"/>
-    <p:sldId id="259" r:id="rId8"/>
-    <p:sldId id="263" r:id="rId9"/>
-    <p:sldId id="264" r:id="rId10"/>
-    <p:sldId id="265" r:id="rId11"/>
-    <p:sldId id="266" r:id="rId12"/>
-    <p:sldId id="267" r:id="rId13"/>
-    <p:sldId id="271" r:id="rId14"/>
-    <p:sldId id="268" r:id="rId15"/>
-    <p:sldId id="272" r:id="rId16"/>
-    <p:sldId id="273" r:id="rId17"/>
-    <p:sldId id="269" r:id="rId18"/>
-    <p:sldId id="270" r:id="rId19"/>
+    <p:sldId id="1239" r:id="rId3"/>
+    <p:sldId id="1241" r:id="rId4"/>
+    <p:sldId id="257" r:id="rId5"/>
+    <p:sldId id="260" r:id="rId6"/>
+    <p:sldId id="261" r:id="rId7"/>
+    <p:sldId id="262" r:id="rId8"/>
+    <p:sldId id="1242" r:id="rId9"/>
+    <p:sldId id="258" r:id="rId10"/>
+    <p:sldId id="259" r:id="rId11"/>
+    <p:sldId id="263" r:id="rId12"/>
+    <p:sldId id="264" r:id="rId13"/>
+    <p:sldId id="265" r:id="rId14"/>
+    <p:sldId id="266" r:id="rId15"/>
+    <p:sldId id="267" r:id="rId16"/>
+    <p:sldId id="271" r:id="rId17"/>
+    <p:sldId id="268" r:id="rId18"/>
+    <p:sldId id="272" r:id="rId19"/>
+    <p:sldId id="273" r:id="rId20"/>
+    <p:sldId id="269" r:id="rId21"/>
+    <p:sldId id="270" r:id="rId22"/>
+    <p:sldId id="1389" r:id="rId23"/>
   </p:sldIdLst>
   <p:sldSz cx="9144000" cy="6858000" type="screen4x3"/>
   <p:notesSz cx="6858000" cy="9144000"/>
@@ -121,7 +125,96 @@
       </a:defRPr>
     </a:lvl9pPr>
   </p:defaultTextStyle>
+  <p:extLst>
+    <p:ext uri="{EFAFB233-063F-42B5-8137-9DF3F51BA10A}">
+      <p15:sldGuideLst xmlns:p15="http://schemas.microsoft.com/office/powerpoint/2012/main">
+        <p15:guide id="1" orient="horz" pos="2160">
+          <p15:clr>
+            <a:srgbClr val="A4A3A4"/>
+          </p15:clr>
+        </p15:guide>
+        <p15:guide id="2" pos="2880">
+          <p15:clr>
+            <a:srgbClr val="A4A3A4"/>
+          </p15:clr>
+        </p15:guide>
+      </p15:sldGuideLst>
+    </p:ext>
+  </p:extLst>
 </p:presentation>
+</file>
+
+<file path=ppt/revisionInfo.xml><?xml version="1.0" encoding="utf-8"?>
+<p1510:revInfo xmlns:a="http://schemas.openxmlformats.org/drawingml/2006/main" xmlns:r="http://schemas.openxmlformats.org/officeDocument/2006/relationships" xmlns:p1510="http://schemas.microsoft.com/office/powerpoint/2015/10/main">
+  <p1510:revLst>
+    <p1510:client id="{A2DDCCB9-E19C-42D0-9D97-E12D34C3D8D3}" v="4" dt="2023-09-28T22:35:36.054"/>
+  </p1510:revLst>
+</p1510:revInfo>
+</file>
+
+<file path=ppt/changesInfos/changesInfo1.xml><?xml version="1.0" encoding="utf-8"?>
+<pc:chgInfo xmlns:a="http://schemas.openxmlformats.org/drawingml/2006/main" xmlns:r="http://schemas.openxmlformats.org/officeDocument/2006/relationships" xmlns:ac="http://schemas.microsoft.com/office/drawing/2013/main/command" xmlns:pc="http://schemas.microsoft.com/office/powerpoint/2013/main/command">
+  <pc:docChgLst>
+    <pc:chgData name="Lines, Todd" userId="afaf7c3a-e8aa-4568-882a-02ad8f9e19b0" providerId="ADAL" clId="{A2DDCCB9-E19C-42D0-9D97-E12D34C3D8D3}"/>
+    <pc:docChg chg="addSld modSld">
+      <pc:chgData name="Lines, Todd" userId="afaf7c3a-e8aa-4568-882a-02ad8f9e19b0" providerId="ADAL" clId="{A2DDCCB9-E19C-42D0-9D97-E12D34C3D8D3}" dt="2023-09-28T22:35:36.052" v="15"/>
+      <pc:docMkLst>
+        <pc:docMk/>
+      </pc:docMkLst>
+      <pc:sldChg chg="modSp mod">
+        <pc:chgData name="Lines, Todd" userId="afaf7c3a-e8aa-4568-882a-02ad8f9e19b0" providerId="ADAL" clId="{A2DDCCB9-E19C-42D0-9D97-E12D34C3D8D3}" dt="2023-09-28T22:33:50.384" v="10" actId="20577"/>
+        <pc:sldMkLst>
+          <pc:docMk/>
+          <pc:sldMk cId="0" sldId="256"/>
+        </pc:sldMkLst>
+        <pc:spChg chg="mod">
+          <ac:chgData name="Lines, Todd" userId="afaf7c3a-e8aa-4568-882a-02ad8f9e19b0" providerId="ADAL" clId="{A2DDCCB9-E19C-42D0-9D97-E12D34C3D8D3}" dt="2023-09-28T22:33:50.384" v="10" actId="20577"/>
+          <ac:spMkLst>
+            <pc:docMk/>
+            <pc:sldMk cId="0" sldId="256"/>
+            <ac:spMk id="2" creationId="{00000000-0000-0000-0000-000000000000}"/>
+          </ac:spMkLst>
+        </pc:spChg>
+      </pc:sldChg>
+      <pc:sldChg chg="add">
+        <pc:chgData name="Lines, Todd" userId="afaf7c3a-e8aa-4568-882a-02ad8f9e19b0" providerId="ADAL" clId="{A2DDCCB9-E19C-42D0-9D97-E12D34C3D8D3}" dt="2023-09-28T22:33:46.822" v="0"/>
+        <pc:sldMkLst>
+          <pc:docMk/>
+          <pc:sldMk cId="0" sldId="1239"/>
+        </pc:sldMkLst>
+      </pc:sldChg>
+      <pc:sldChg chg="modSp add mod">
+        <pc:chgData name="Lines, Todd" userId="afaf7c3a-e8aa-4568-882a-02ad8f9e19b0" providerId="ADAL" clId="{A2DDCCB9-E19C-42D0-9D97-E12D34C3D8D3}" dt="2023-09-28T22:34:13.634" v="13" actId="20577"/>
+        <pc:sldMkLst>
+          <pc:docMk/>
+          <pc:sldMk cId="0" sldId="1241"/>
+        </pc:sldMkLst>
+        <pc:spChg chg="mod">
+          <ac:chgData name="Lines, Todd" userId="afaf7c3a-e8aa-4568-882a-02ad8f9e19b0" providerId="ADAL" clId="{A2DDCCB9-E19C-42D0-9D97-E12D34C3D8D3}" dt="2023-09-28T22:34:13.634" v="13" actId="20577"/>
+          <ac:spMkLst>
+            <pc:docMk/>
+            <pc:sldMk cId="0" sldId="1241"/>
+            <ac:spMk id="3" creationId="{00000000-0000-0000-0000-000000000000}"/>
+          </ac:spMkLst>
+        </pc:spChg>
+      </pc:sldChg>
+      <pc:sldChg chg="add">
+        <pc:chgData name="Lines, Todd" userId="afaf7c3a-e8aa-4568-882a-02ad8f9e19b0" providerId="ADAL" clId="{A2DDCCB9-E19C-42D0-9D97-E12D34C3D8D3}" dt="2023-09-28T22:35:10.788" v="14"/>
+        <pc:sldMkLst>
+          <pc:docMk/>
+          <pc:sldMk cId="0" sldId="1242"/>
+        </pc:sldMkLst>
+      </pc:sldChg>
+      <pc:sldChg chg="add">
+        <pc:chgData name="Lines, Todd" userId="afaf7c3a-e8aa-4568-882a-02ad8f9e19b0" providerId="ADAL" clId="{A2DDCCB9-E19C-42D0-9D97-E12D34C3D8D3}" dt="2023-09-28T22:35:36.052" v="15"/>
+        <pc:sldMkLst>
+          <pc:docMk/>
+          <pc:sldMk cId="2016482087" sldId="1389"/>
+        </pc:sldMkLst>
+      </pc:sldChg>
+    </pc:docChg>
+  </pc:docChgLst>
+</pc:chgInfo>
 </file>
 
 <file path=ppt/slideLayouts/slideLayout1.xml><?xml version="1.0" encoding="utf-8"?>
@@ -162,10 +255,9 @@
           <a:lstStyle/>
           <a:p>
             <a:r>
-              <a:rPr lang="en-US" smtClean="0"/>
+              <a:rPr lang="en-US"/>
               <a:t>Click to edit Master title style</a:t>
             </a:r>
-            <a:endParaRPr lang="en-US"/>
           </a:p>
         </p:txBody>
       </p:sp>
@@ -281,10 +373,9 @@
           </a:lstStyle>
           <a:p>
             <a:r>
-              <a:rPr lang="en-US" smtClean="0"/>
+              <a:rPr lang="en-US"/>
               <a:t>Click to edit Master subtitle style</a:t>
             </a:r>
-            <a:endParaRPr lang="en-US"/>
           </a:p>
         </p:txBody>
       </p:sp>
@@ -306,7 +397,7 @@
             <a:fld id="{3726DFF5-035A-415B-86B1-0D5051DC524B}" type="datetimeFigureOut">
               <a:rPr lang="en-US" smtClean="0"/>
               <a:pPr/>
-              <a:t>1/30/2012</a:t>
+              <a:t>9/28/2023</a:t>
             </a:fld>
             <a:endParaRPr lang="en-US"/>
           </a:p>
@@ -396,10 +487,9 @@
           <a:lstStyle/>
           <a:p>
             <a:r>
-              <a:rPr lang="en-US" smtClean="0"/>
+              <a:rPr lang="en-US"/>
               <a:t>Click to edit Master title style</a:t>
             </a:r>
-            <a:endParaRPr lang="en-US"/>
           </a:p>
         </p:txBody>
       </p:sp>
@@ -420,38 +510,37 @@
           <a:p>
             <a:pPr lvl="0"/>
             <a:r>
-              <a:rPr lang="en-US" smtClean="0"/>
+              <a:rPr lang="en-US"/>
               <a:t>Click to edit Master text styles</a:t>
             </a:r>
           </a:p>
           <a:p>
             <a:pPr lvl="1"/>
             <a:r>
-              <a:rPr lang="en-US" smtClean="0"/>
+              <a:rPr lang="en-US"/>
               <a:t>Second level</a:t>
             </a:r>
           </a:p>
           <a:p>
             <a:pPr lvl="2"/>
             <a:r>
-              <a:rPr lang="en-US" smtClean="0"/>
+              <a:rPr lang="en-US"/>
               <a:t>Third level</a:t>
             </a:r>
           </a:p>
           <a:p>
             <a:pPr lvl="3"/>
             <a:r>
-              <a:rPr lang="en-US" smtClean="0"/>
+              <a:rPr lang="en-US"/>
               <a:t>Fourth level</a:t>
             </a:r>
           </a:p>
           <a:p>
             <a:pPr lvl="4"/>
             <a:r>
-              <a:rPr lang="en-US" smtClean="0"/>
+              <a:rPr lang="en-US"/>
               <a:t>Fifth level</a:t>
             </a:r>
-            <a:endParaRPr lang="en-US"/>
           </a:p>
         </p:txBody>
       </p:sp>
@@ -473,7 +562,7 @@
             <a:fld id="{3726DFF5-035A-415B-86B1-0D5051DC524B}" type="datetimeFigureOut">
               <a:rPr lang="en-US" smtClean="0"/>
               <a:pPr/>
-              <a:t>1/30/2012</a:t>
+              <a:t>9/28/2023</a:t>
             </a:fld>
             <a:endParaRPr lang="en-US"/>
           </a:p>
@@ -568,10 +657,9 @@
           <a:lstStyle/>
           <a:p>
             <a:r>
-              <a:rPr lang="en-US" smtClean="0"/>
+              <a:rPr lang="en-US"/>
               <a:t>Click to edit Master title style</a:t>
             </a:r>
-            <a:endParaRPr lang="en-US"/>
           </a:p>
         </p:txBody>
       </p:sp>
@@ -597,38 +685,37 @@
           <a:p>
             <a:pPr lvl="0"/>
             <a:r>
-              <a:rPr lang="en-US" smtClean="0"/>
+              <a:rPr lang="en-US"/>
               <a:t>Click to edit Master text styles</a:t>
             </a:r>
           </a:p>
           <a:p>
             <a:pPr lvl="1"/>
             <a:r>
-              <a:rPr lang="en-US" smtClean="0"/>
+              <a:rPr lang="en-US"/>
               <a:t>Second level</a:t>
             </a:r>
           </a:p>
           <a:p>
             <a:pPr lvl="2"/>
             <a:r>
-              <a:rPr lang="en-US" smtClean="0"/>
+              <a:rPr lang="en-US"/>
               <a:t>Third level</a:t>
             </a:r>
           </a:p>
           <a:p>
             <a:pPr lvl="3"/>
             <a:r>
-              <a:rPr lang="en-US" smtClean="0"/>
+              <a:rPr lang="en-US"/>
               <a:t>Fourth level</a:t>
             </a:r>
           </a:p>
           <a:p>
             <a:pPr lvl="4"/>
             <a:r>
-              <a:rPr lang="en-US" smtClean="0"/>
+              <a:rPr lang="en-US"/>
               <a:t>Fifth level</a:t>
             </a:r>
-            <a:endParaRPr lang="en-US"/>
           </a:p>
         </p:txBody>
       </p:sp>
@@ -650,7 +737,7 @@
             <a:fld id="{3726DFF5-035A-415B-86B1-0D5051DC524B}" type="datetimeFigureOut">
               <a:rPr lang="en-US" smtClean="0"/>
               <a:pPr/>
-              <a:t>1/30/2012</a:t>
+              <a:t>9/28/2023</a:t>
             </a:fld>
             <a:endParaRPr lang="en-US"/>
           </a:p>
@@ -745,10 +832,9 @@
           <a:lstStyle/>
           <a:p>
             <a:r>
-              <a:rPr lang="en-US" smtClean="0"/>
+              <a:rPr lang="en-US"/>
               <a:t>Click to edit Master title style</a:t>
             </a:r>
-            <a:endParaRPr lang="en-US"/>
           </a:p>
         </p:txBody>
       </p:sp>
@@ -774,38 +860,37 @@
           <a:p>
             <a:pPr lvl="0"/>
             <a:r>
-              <a:rPr lang="en-US" smtClean="0"/>
+              <a:rPr lang="en-US"/>
               <a:t>Click to edit Master text styles</a:t>
             </a:r>
           </a:p>
           <a:p>
             <a:pPr lvl="1"/>
             <a:r>
-              <a:rPr lang="en-US" smtClean="0"/>
+              <a:rPr lang="en-US"/>
               <a:t>Second level</a:t>
             </a:r>
           </a:p>
           <a:p>
             <a:pPr lvl="2"/>
             <a:r>
-              <a:rPr lang="en-US" smtClean="0"/>
+              <a:rPr lang="en-US"/>
               <a:t>Third level</a:t>
             </a:r>
           </a:p>
           <a:p>
             <a:pPr lvl="3"/>
             <a:r>
-              <a:rPr lang="en-US" smtClean="0"/>
+              <a:rPr lang="en-US"/>
               <a:t>Fourth level</a:t>
             </a:r>
           </a:p>
           <a:p>
             <a:pPr lvl="4"/>
             <a:r>
-              <a:rPr lang="en-US" smtClean="0"/>
+              <a:rPr lang="en-US"/>
               <a:t>Fifth level</a:t>
             </a:r>
-            <a:endParaRPr lang="en-US"/>
           </a:p>
         </p:txBody>
       </p:sp>
@@ -830,7 +915,7 @@
           <a:lstStyle/>
           <a:p>
             <a:pPr lvl="0"/>
-            <a:endParaRPr lang="en-US" noProof="0" smtClean="0"/>
+            <a:endParaRPr lang="en-US" noProof="0"/>
           </a:p>
         </p:txBody>
       </p:sp>
@@ -969,10 +1054,9 @@
           <a:lstStyle/>
           <a:p>
             <a:r>
-              <a:rPr lang="en-US" smtClean="0"/>
+              <a:rPr lang="en-US"/>
               <a:t>Click to edit Master title style</a:t>
             </a:r>
-            <a:endParaRPr lang="en-US"/>
           </a:p>
         </p:txBody>
       </p:sp>
@@ -993,38 +1077,37 @@
           <a:p>
             <a:pPr lvl="0"/>
             <a:r>
-              <a:rPr lang="en-US" smtClean="0"/>
+              <a:rPr lang="en-US"/>
               <a:t>Click to edit Master text styles</a:t>
             </a:r>
           </a:p>
           <a:p>
             <a:pPr lvl="1"/>
             <a:r>
-              <a:rPr lang="en-US" smtClean="0"/>
+              <a:rPr lang="en-US"/>
               <a:t>Second level</a:t>
             </a:r>
           </a:p>
           <a:p>
             <a:pPr lvl="2"/>
             <a:r>
-              <a:rPr lang="en-US" smtClean="0"/>
+              <a:rPr lang="en-US"/>
               <a:t>Third level</a:t>
             </a:r>
           </a:p>
           <a:p>
             <a:pPr lvl="3"/>
             <a:r>
-              <a:rPr lang="en-US" smtClean="0"/>
+              <a:rPr lang="en-US"/>
               <a:t>Fourth level</a:t>
             </a:r>
           </a:p>
           <a:p>
             <a:pPr lvl="4"/>
             <a:r>
-              <a:rPr lang="en-US" smtClean="0"/>
+              <a:rPr lang="en-US"/>
               <a:t>Fifth level</a:t>
             </a:r>
-            <a:endParaRPr lang="en-US"/>
           </a:p>
         </p:txBody>
       </p:sp>
@@ -1046,7 +1129,7 @@
             <a:fld id="{3726DFF5-035A-415B-86B1-0D5051DC524B}" type="datetimeFigureOut">
               <a:rPr lang="en-US" smtClean="0"/>
               <a:pPr/>
-              <a:t>1/30/2012</a:t>
+              <a:t>9/28/2023</a:t>
             </a:fld>
             <a:endParaRPr lang="en-US"/>
           </a:p>
@@ -1145,10 +1228,9 @@
           </a:lstStyle>
           <a:p>
             <a:r>
-              <a:rPr lang="en-US" smtClean="0"/>
+              <a:rPr lang="en-US"/>
               <a:t>Click to edit Master title style</a:t>
             </a:r>
-            <a:endParaRPr lang="en-US"/>
           </a:p>
         </p:txBody>
       </p:sp>
@@ -1265,7 +1347,7 @@
           <a:p>
             <a:pPr lvl="0"/>
             <a:r>
-              <a:rPr lang="en-US" smtClean="0"/>
+              <a:rPr lang="en-US"/>
               <a:t>Click to edit Master text styles</a:t>
             </a:r>
           </a:p>
@@ -1289,7 +1371,7 @@
             <a:fld id="{3726DFF5-035A-415B-86B1-0D5051DC524B}" type="datetimeFigureOut">
               <a:rPr lang="en-US" smtClean="0"/>
               <a:pPr/>
-              <a:t>1/30/2012</a:t>
+              <a:t>9/28/2023</a:t>
             </a:fld>
             <a:endParaRPr lang="en-US"/>
           </a:p>
@@ -1379,10 +1461,9 @@
           <a:lstStyle/>
           <a:p>
             <a:r>
-              <a:rPr lang="en-US" smtClean="0"/>
+              <a:rPr lang="en-US"/>
               <a:t>Click to edit Master title style</a:t>
             </a:r>
-            <a:endParaRPr lang="en-US"/>
           </a:p>
         </p:txBody>
       </p:sp>
@@ -1436,38 +1517,37 @@
           <a:p>
             <a:pPr lvl="0"/>
             <a:r>
-              <a:rPr lang="en-US" smtClean="0"/>
+              <a:rPr lang="en-US"/>
               <a:t>Click to edit Master text styles</a:t>
             </a:r>
           </a:p>
           <a:p>
             <a:pPr lvl="1"/>
             <a:r>
-              <a:rPr lang="en-US" smtClean="0"/>
+              <a:rPr lang="en-US"/>
               <a:t>Second level</a:t>
             </a:r>
           </a:p>
           <a:p>
             <a:pPr lvl="2"/>
             <a:r>
-              <a:rPr lang="en-US" smtClean="0"/>
+              <a:rPr lang="en-US"/>
               <a:t>Third level</a:t>
             </a:r>
           </a:p>
           <a:p>
             <a:pPr lvl="3"/>
             <a:r>
-              <a:rPr lang="en-US" smtClean="0"/>
+              <a:rPr lang="en-US"/>
               <a:t>Fourth level</a:t>
             </a:r>
           </a:p>
           <a:p>
             <a:pPr lvl="4"/>
             <a:r>
-              <a:rPr lang="en-US" smtClean="0"/>
+              <a:rPr lang="en-US"/>
               <a:t>Fifth level</a:t>
             </a:r>
-            <a:endParaRPr lang="en-US"/>
           </a:p>
         </p:txBody>
       </p:sp>
@@ -1521,38 +1601,37 @@
           <a:p>
             <a:pPr lvl="0"/>
             <a:r>
-              <a:rPr lang="en-US" smtClean="0"/>
+              <a:rPr lang="en-US"/>
               <a:t>Click to edit Master text styles</a:t>
             </a:r>
           </a:p>
           <a:p>
             <a:pPr lvl="1"/>
             <a:r>
-              <a:rPr lang="en-US" smtClean="0"/>
+              <a:rPr lang="en-US"/>
               <a:t>Second level</a:t>
             </a:r>
           </a:p>
           <a:p>
             <a:pPr lvl="2"/>
             <a:r>
-              <a:rPr lang="en-US" smtClean="0"/>
+              <a:rPr lang="en-US"/>
               <a:t>Third level</a:t>
             </a:r>
           </a:p>
           <a:p>
             <a:pPr lvl="3"/>
             <a:r>
-              <a:rPr lang="en-US" smtClean="0"/>
+              <a:rPr lang="en-US"/>
               <a:t>Fourth level</a:t>
             </a:r>
           </a:p>
           <a:p>
             <a:pPr lvl="4"/>
             <a:r>
-              <a:rPr lang="en-US" smtClean="0"/>
+              <a:rPr lang="en-US"/>
               <a:t>Fifth level</a:t>
             </a:r>
-            <a:endParaRPr lang="en-US"/>
           </a:p>
         </p:txBody>
       </p:sp>
@@ -1574,7 +1653,7 @@
             <a:fld id="{3726DFF5-035A-415B-86B1-0D5051DC524B}" type="datetimeFigureOut">
               <a:rPr lang="en-US" smtClean="0"/>
               <a:pPr/>
-              <a:t>1/30/2012</a:t>
+              <a:t>9/28/2023</a:t>
             </a:fld>
             <a:endParaRPr lang="en-US"/>
           </a:p>
@@ -1668,10 +1747,9 @@
           </a:lstStyle>
           <a:p>
             <a:r>
-              <a:rPr lang="en-US" smtClean="0"/>
+              <a:rPr lang="en-US"/>
               <a:t>Click to edit Master title style</a:t>
             </a:r>
-            <a:endParaRPr lang="en-US"/>
           </a:p>
         </p:txBody>
       </p:sp>
@@ -1734,7 +1812,7 @@
           <a:p>
             <a:pPr lvl="0"/>
             <a:r>
-              <a:rPr lang="en-US" smtClean="0"/>
+              <a:rPr lang="en-US"/>
               <a:t>Click to edit Master text styles</a:t>
             </a:r>
           </a:p>
@@ -1790,38 +1868,37 @@
           <a:p>
             <a:pPr lvl="0"/>
             <a:r>
-              <a:rPr lang="en-US" smtClean="0"/>
+              <a:rPr lang="en-US"/>
               <a:t>Click to edit Master text styles</a:t>
             </a:r>
           </a:p>
           <a:p>
             <a:pPr lvl="1"/>
             <a:r>
-              <a:rPr lang="en-US" smtClean="0"/>
+              <a:rPr lang="en-US"/>
               <a:t>Second level</a:t>
             </a:r>
           </a:p>
           <a:p>
             <a:pPr lvl="2"/>
             <a:r>
-              <a:rPr lang="en-US" smtClean="0"/>
+              <a:rPr lang="en-US"/>
               <a:t>Third level</a:t>
             </a:r>
           </a:p>
           <a:p>
             <a:pPr lvl="3"/>
             <a:r>
-              <a:rPr lang="en-US" smtClean="0"/>
+              <a:rPr lang="en-US"/>
               <a:t>Fourth level</a:t>
             </a:r>
           </a:p>
           <a:p>
             <a:pPr lvl="4"/>
             <a:r>
-              <a:rPr lang="en-US" smtClean="0"/>
+              <a:rPr lang="en-US"/>
               <a:t>Fifth level</a:t>
             </a:r>
-            <a:endParaRPr lang="en-US"/>
           </a:p>
         </p:txBody>
       </p:sp>
@@ -1884,7 +1961,7 @@
           <a:p>
             <a:pPr lvl="0"/>
             <a:r>
-              <a:rPr lang="en-US" smtClean="0"/>
+              <a:rPr lang="en-US"/>
               <a:t>Click to edit Master text styles</a:t>
             </a:r>
           </a:p>
@@ -1940,38 +2017,37 @@
           <a:p>
             <a:pPr lvl="0"/>
             <a:r>
-              <a:rPr lang="en-US" smtClean="0"/>
+              <a:rPr lang="en-US"/>
               <a:t>Click to edit Master text styles</a:t>
             </a:r>
           </a:p>
           <a:p>
             <a:pPr lvl="1"/>
             <a:r>
-              <a:rPr lang="en-US" smtClean="0"/>
+              <a:rPr lang="en-US"/>
               <a:t>Second level</a:t>
             </a:r>
           </a:p>
           <a:p>
             <a:pPr lvl="2"/>
             <a:r>
-              <a:rPr lang="en-US" smtClean="0"/>
+              <a:rPr lang="en-US"/>
               <a:t>Third level</a:t>
             </a:r>
           </a:p>
           <a:p>
             <a:pPr lvl="3"/>
             <a:r>
-              <a:rPr lang="en-US" smtClean="0"/>
+              <a:rPr lang="en-US"/>
               <a:t>Fourth level</a:t>
             </a:r>
           </a:p>
           <a:p>
             <a:pPr lvl="4"/>
             <a:r>
-              <a:rPr lang="en-US" smtClean="0"/>
+              <a:rPr lang="en-US"/>
               <a:t>Fifth level</a:t>
             </a:r>
-            <a:endParaRPr lang="en-US"/>
           </a:p>
         </p:txBody>
       </p:sp>
@@ -1993,7 +2069,7 @@
             <a:fld id="{3726DFF5-035A-415B-86B1-0D5051DC524B}" type="datetimeFigureOut">
               <a:rPr lang="en-US" smtClean="0"/>
               <a:pPr/>
-              <a:t>1/30/2012</a:t>
+              <a:t>9/28/2023</a:t>
             </a:fld>
             <a:endParaRPr lang="en-US"/>
           </a:p>
@@ -2083,10 +2159,9 @@
           <a:lstStyle/>
           <a:p>
             <a:r>
-              <a:rPr lang="en-US" smtClean="0"/>
+              <a:rPr lang="en-US"/>
               <a:t>Click to edit Master title style</a:t>
             </a:r>
-            <a:endParaRPr lang="en-US"/>
           </a:p>
         </p:txBody>
       </p:sp>
@@ -2108,7 +2183,7 @@
             <a:fld id="{3726DFF5-035A-415B-86B1-0D5051DC524B}" type="datetimeFigureOut">
               <a:rPr lang="en-US" smtClean="0"/>
               <a:pPr/>
-              <a:t>1/30/2012</a:t>
+              <a:t>9/28/2023</a:t>
             </a:fld>
             <a:endParaRPr lang="en-US"/>
           </a:p>
@@ -2200,7 +2275,7 @@
             <a:fld id="{3726DFF5-035A-415B-86B1-0D5051DC524B}" type="datetimeFigureOut">
               <a:rPr lang="en-US" smtClean="0"/>
               <a:pPr/>
-              <a:t>1/30/2012</a:t>
+              <a:t>9/28/2023</a:t>
             </a:fld>
             <a:endParaRPr lang="en-US"/>
           </a:p>
@@ -2299,10 +2374,9 @@
           </a:lstStyle>
           <a:p>
             <a:r>
-              <a:rPr lang="en-US" smtClean="0"/>
+              <a:rPr lang="en-US"/>
               <a:t>Click to edit Master title style</a:t>
             </a:r>
-            <a:endParaRPr lang="en-US"/>
           </a:p>
         </p:txBody>
       </p:sp>
@@ -2356,38 +2430,37 @@
           <a:p>
             <a:pPr lvl="0"/>
             <a:r>
-              <a:rPr lang="en-US" smtClean="0"/>
+              <a:rPr lang="en-US"/>
               <a:t>Click to edit Master text styles</a:t>
             </a:r>
           </a:p>
           <a:p>
             <a:pPr lvl="1"/>
             <a:r>
-              <a:rPr lang="en-US" smtClean="0"/>
+              <a:rPr lang="en-US"/>
               <a:t>Second level</a:t>
             </a:r>
           </a:p>
           <a:p>
             <a:pPr lvl="2"/>
             <a:r>
-              <a:rPr lang="en-US" smtClean="0"/>
+              <a:rPr lang="en-US"/>
               <a:t>Third level</a:t>
             </a:r>
           </a:p>
           <a:p>
             <a:pPr lvl="3"/>
             <a:r>
-              <a:rPr lang="en-US" smtClean="0"/>
+              <a:rPr lang="en-US"/>
               <a:t>Fourth level</a:t>
             </a:r>
           </a:p>
           <a:p>
             <a:pPr lvl="4"/>
             <a:r>
-              <a:rPr lang="en-US" smtClean="0"/>
+              <a:rPr lang="en-US"/>
               <a:t>Fifth level</a:t>
             </a:r>
-            <a:endParaRPr lang="en-US"/>
           </a:p>
         </p:txBody>
       </p:sp>
@@ -2450,7 +2523,7 @@
           <a:p>
             <a:pPr lvl="0"/>
             <a:r>
-              <a:rPr lang="en-US" smtClean="0"/>
+              <a:rPr lang="en-US"/>
               <a:t>Click to edit Master text styles</a:t>
             </a:r>
           </a:p>
@@ -2474,7 +2547,7 @@
             <a:fld id="{3726DFF5-035A-415B-86B1-0D5051DC524B}" type="datetimeFigureOut">
               <a:rPr lang="en-US" smtClean="0"/>
               <a:pPr/>
-              <a:t>1/30/2012</a:t>
+              <a:t>9/28/2023</a:t>
             </a:fld>
             <a:endParaRPr lang="en-US"/>
           </a:p>
@@ -2573,10 +2646,9 @@
           </a:lstStyle>
           <a:p>
             <a:r>
-              <a:rPr lang="en-US" smtClean="0"/>
+              <a:rPr lang="en-US"/>
               <a:t>Click to edit Master title style</a:t>
             </a:r>
-            <a:endParaRPr lang="en-US"/>
           </a:p>
         </p:txBody>
       </p:sp>
@@ -2700,7 +2772,7 @@
           <a:p>
             <a:pPr lvl="0"/>
             <a:r>
-              <a:rPr lang="en-US" smtClean="0"/>
+              <a:rPr lang="en-US"/>
               <a:t>Click to edit Master text styles</a:t>
             </a:r>
           </a:p>
@@ -2724,7 +2796,7 @@
             <a:fld id="{3726DFF5-035A-415B-86B1-0D5051DC524B}" type="datetimeFigureOut">
               <a:rPr lang="en-US" smtClean="0"/>
               <a:pPr/>
-              <a:t>1/30/2012</a:t>
+              <a:t>9/28/2023</a:t>
             </a:fld>
             <a:endParaRPr lang="en-US"/>
           </a:p>
@@ -2829,10 +2901,9 @@
           <a:lstStyle/>
           <a:p>
             <a:r>
-              <a:rPr lang="en-US" smtClean="0"/>
+              <a:rPr lang="en-US"/>
               <a:t>Click to edit Master title style</a:t>
             </a:r>
-            <a:endParaRPr lang="en-US"/>
           </a:p>
         </p:txBody>
       </p:sp>
@@ -2863,38 +2934,37 @@
           <a:p>
             <a:pPr lvl="0"/>
             <a:r>
-              <a:rPr lang="en-US" smtClean="0"/>
+              <a:rPr lang="en-US"/>
               <a:t>Click to edit Master text styles</a:t>
             </a:r>
           </a:p>
           <a:p>
             <a:pPr lvl="1"/>
             <a:r>
-              <a:rPr lang="en-US" smtClean="0"/>
+              <a:rPr lang="en-US"/>
               <a:t>Second level</a:t>
             </a:r>
           </a:p>
           <a:p>
             <a:pPr lvl="2"/>
             <a:r>
-              <a:rPr lang="en-US" smtClean="0"/>
+              <a:rPr lang="en-US"/>
               <a:t>Third level</a:t>
             </a:r>
           </a:p>
           <a:p>
             <a:pPr lvl="3"/>
             <a:r>
-              <a:rPr lang="en-US" smtClean="0"/>
+              <a:rPr lang="en-US"/>
               <a:t>Fourth level</a:t>
             </a:r>
           </a:p>
           <a:p>
             <a:pPr lvl="4"/>
             <a:r>
-              <a:rPr lang="en-US" smtClean="0"/>
+              <a:rPr lang="en-US"/>
               <a:t>Fifth level</a:t>
             </a:r>
-            <a:endParaRPr lang="en-US"/>
           </a:p>
         </p:txBody>
       </p:sp>
@@ -2934,7 +3004,7 @@
             <a:fld id="{3726DFF5-035A-415B-86B1-0D5051DC524B}" type="datetimeFigureOut">
               <a:rPr lang="en-US" smtClean="0"/>
               <a:pPr/>
-              <a:t>1/30/2012</a:t>
+              <a:t>9/28/2023</a:t>
             </a:fld>
             <a:endParaRPr lang="en-US"/>
           </a:p>
@@ -3321,7 +3391,10 @@
           <a:bodyPr/>
           <a:lstStyle/>
           <a:p>
-            <a:endParaRPr lang="en-US" dirty="0"/>
+            <a:r>
+              <a:rPr lang="en-US" dirty="0"/>
+              <a:t>Lecture 12</a:t>
+            </a:r>
           </a:p>
         </p:txBody>
       </p:sp>
@@ -3353,6 +3426,805 @@
 </file>
 
 <file path=ppt/slides/slide10.xml><?xml version="1.0" encoding="utf-8"?>
+<p:sld xmlns:a="http://schemas.openxmlformats.org/drawingml/2006/main" xmlns:r="http://schemas.openxmlformats.org/officeDocument/2006/relationships" xmlns:p="http://schemas.openxmlformats.org/presentationml/2006/main">
+  <p:cSld>
+    <p:spTree>
+      <p:nvGrpSpPr>
+        <p:cNvPr id="1" name=""/>
+        <p:cNvGrpSpPr/>
+        <p:nvPr/>
+      </p:nvGrpSpPr>
+      <p:grpSpPr>
+        <a:xfrm>
+          <a:off x="0" y="0"/>
+          <a:ext cx="0" cy="0"/>
+          <a:chOff x="0" y="0"/>
+          <a:chExt cx="0" cy="0"/>
+        </a:xfrm>
+      </p:grpSpPr>
+      <p:pic>
+        <p:nvPicPr>
+          <p:cNvPr id="3074" name="Picture 2"/>
+          <p:cNvPicPr>
+            <a:picLocks noChangeAspect="1" noChangeArrowheads="1"/>
+          </p:cNvPicPr>
+          <p:nvPr/>
+        </p:nvPicPr>
+        <p:blipFill>
+          <a:blip r:embed="rId2" cstate="print"/>
+          <a:srcRect/>
+          <a:stretch>
+            <a:fillRect/>
+          </a:stretch>
+        </p:blipFill>
+        <p:spPr bwMode="auto">
+          <a:xfrm>
+            <a:off x="228600" y="228600"/>
+            <a:ext cx="8610600" cy="6402060"/>
+          </a:xfrm>
+          <a:prstGeom prst="rect">
+            <a:avLst/>
+          </a:prstGeom>
+          <a:noFill/>
+          <a:ln w="9525">
+            <a:noFill/>
+            <a:miter lim="800000"/>
+            <a:headEnd/>
+            <a:tailEnd/>
+          </a:ln>
+          <a:effectLst/>
+        </p:spPr>
+      </p:pic>
+    </p:spTree>
+  </p:cSld>
+  <p:clrMapOvr>
+    <a:masterClrMapping/>
+  </p:clrMapOvr>
+</p:sld>
+</file>
+
+<file path=ppt/slides/slide11.xml><?xml version="1.0" encoding="utf-8"?>
+<p:sld xmlns:a="http://schemas.openxmlformats.org/drawingml/2006/main" xmlns:r="http://schemas.openxmlformats.org/officeDocument/2006/relationships" xmlns:p="http://schemas.openxmlformats.org/presentationml/2006/main">
+  <p:cSld>
+    <p:spTree>
+      <p:nvGrpSpPr>
+        <p:cNvPr id="1" name=""/>
+        <p:cNvGrpSpPr/>
+        <p:nvPr/>
+      </p:nvGrpSpPr>
+      <p:grpSpPr>
+        <a:xfrm>
+          <a:off x="0" y="0"/>
+          <a:ext cx="0" cy="0"/>
+          <a:chOff x="0" y="0"/>
+          <a:chExt cx="0" cy="0"/>
+        </a:xfrm>
+      </p:grpSpPr>
+      <p:pic>
+        <p:nvPicPr>
+          <p:cNvPr id="7169" name="Picture 1"/>
+          <p:cNvPicPr>
+            <a:picLocks noChangeAspect="1" noChangeArrowheads="1"/>
+          </p:cNvPicPr>
+          <p:nvPr/>
+        </p:nvPicPr>
+        <p:blipFill>
+          <a:blip r:embed="rId2" cstate="print"/>
+          <a:srcRect/>
+          <a:stretch>
+            <a:fillRect/>
+          </a:stretch>
+        </p:blipFill>
+        <p:spPr bwMode="auto">
+          <a:xfrm>
+            <a:off x="1404938" y="319088"/>
+            <a:ext cx="6334125" cy="6219825"/>
+          </a:xfrm>
+          <a:prstGeom prst="rect">
+            <a:avLst/>
+          </a:prstGeom>
+          <a:noFill/>
+          <a:ln w="9525">
+            <a:noFill/>
+            <a:miter lim="800000"/>
+            <a:headEnd/>
+            <a:tailEnd/>
+          </a:ln>
+          <a:effectLst/>
+        </p:spPr>
+      </p:pic>
+      <p:sp>
+        <p:nvSpPr>
+          <p:cNvPr id="3" name="TextBox 2"/>
+          <p:cNvSpPr txBox="1"/>
+          <p:nvPr/>
+        </p:nvSpPr>
+        <p:spPr>
+          <a:xfrm>
+            <a:off x="5059680" y="1691640"/>
+            <a:ext cx="360996" cy="369332"/>
+          </a:xfrm>
+          <a:prstGeom prst="rect">
+            <a:avLst/>
+          </a:prstGeom>
+          <a:noFill/>
+        </p:spPr>
+        <p:txBody>
+          <a:bodyPr wrap="none" rtlCol="0">
+            <a:spAutoFit/>
+          </a:bodyPr>
+          <a:lstStyle/>
+          <a:p>
+            <a:r>
+              <a:rPr lang="en-US" dirty="0"/>
+              <a:t>L</a:t>
+            </a:r>
+            <a:r>
+              <a:rPr lang="en-US" baseline="-25000" dirty="0"/>
+              <a:t>1</a:t>
+            </a:r>
+          </a:p>
+        </p:txBody>
+      </p:sp>
+      <p:sp>
+        <p:nvSpPr>
+          <p:cNvPr id="4" name="TextBox 3"/>
+          <p:cNvSpPr txBox="1"/>
+          <p:nvPr/>
+        </p:nvSpPr>
+        <p:spPr>
+          <a:xfrm>
+            <a:off x="5608320" y="2971800"/>
+            <a:ext cx="360996" cy="369332"/>
+          </a:xfrm>
+          <a:prstGeom prst="rect">
+            <a:avLst/>
+          </a:prstGeom>
+          <a:noFill/>
+        </p:spPr>
+        <p:txBody>
+          <a:bodyPr wrap="none" rtlCol="0">
+            <a:spAutoFit/>
+          </a:bodyPr>
+          <a:lstStyle/>
+          <a:p>
+            <a:r>
+              <a:rPr lang="en-US" dirty="0"/>
+              <a:t>L</a:t>
+            </a:r>
+            <a:r>
+              <a:rPr lang="en-US" baseline="-25000" dirty="0"/>
+              <a:t>2</a:t>
+            </a:r>
+          </a:p>
+        </p:txBody>
+      </p:sp>
+    </p:spTree>
+  </p:cSld>
+  <p:clrMapOvr>
+    <a:masterClrMapping/>
+  </p:clrMapOvr>
+</p:sld>
+</file>
+
+<file path=ppt/slides/slide12.xml><?xml version="1.0" encoding="utf-8"?>
+<p:sld xmlns:a="http://schemas.openxmlformats.org/drawingml/2006/main" xmlns:r="http://schemas.openxmlformats.org/officeDocument/2006/relationships" xmlns:p="http://schemas.openxmlformats.org/presentationml/2006/main">
+  <p:cSld>
+    <p:spTree>
+      <p:nvGrpSpPr>
+        <p:cNvPr id="1" name=""/>
+        <p:cNvGrpSpPr/>
+        <p:nvPr/>
+      </p:nvGrpSpPr>
+      <p:grpSpPr>
+        <a:xfrm>
+          <a:off x="0" y="0"/>
+          <a:ext cx="0" cy="0"/>
+          <a:chOff x="0" y="0"/>
+          <a:chExt cx="0" cy="0"/>
+        </a:xfrm>
+      </p:grpSpPr>
+      <p:pic>
+        <p:nvPicPr>
+          <p:cNvPr id="6148" name="Picture 4" descr="G:\DCIM\100CASIO\CIMG0507.JPG"/>
+          <p:cNvPicPr>
+            <a:picLocks noChangeAspect="1" noChangeArrowheads="1"/>
+          </p:cNvPicPr>
+          <p:nvPr/>
+        </p:nvPicPr>
+        <p:blipFill>
+          <a:blip r:embed="rId2" cstate="print">
+            <a:lum bright="-40000" contrast="40000"/>
+          </a:blip>
+          <a:srcRect l="20270" t="16216" r="29054" b="18919"/>
+          <a:stretch>
+            <a:fillRect/>
+          </a:stretch>
+        </p:blipFill>
+        <p:spPr bwMode="auto">
+          <a:xfrm>
+            <a:off x="1686348" y="969935"/>
+            <a:ext cx="1905000" cy="1828800"/>
+          </a:xfrm>
+          <a:prstGeom prst="rect">
+            <a:avLst/>
+          </a:prstGeom>
+          <a:noFill/>
+        </p:spPr>
+      </p:pic>
+      <p:pic>
+        <p:nvPicPr>
+          <p:cNvPr id="6150" name="Picture 6" descr="G:\DCIM\100CASIO\CIMG0506.JPG"/>
+          <p:cNvPicPr>
+            <a:picLocks noChangeAspect="1" noChangeArrowheads="1"/>
+          </p:cNvPicPr>
+          <p:nvPr/>
+        </p:nvPicPr>
+        <p:blipFill>
+          <a:blip r:embed="rId3" cstate="print">
+            <a:lum bright="-40000" contrast="40000"/>
+          </a:blip>
+          <a:srcRect l="15789" r="21053" b="15789"/>
+          <a:stretch>
+            <a:fillRect/>
+          </a:stretch>
+        </p:blipFill>
+        <p:spPr bwMode="auto">
+          <a:xfrm>
+            <a:off x="3515148" y="969935"/>
+            <a:ext cx="1828800" cy="1828800"/>
+          </a:xfrm>
+          <a:prstGeom prst="rect">
+            <a:avLst/>
+          </a:prstGeom>
+          <a:noFill/>
+        </p:spPr>
+      </p:pic>
+      <p:pic>
+        <p:nvPicPr>
+          <p:cNvPr id="6151" name="Picture 7" descr="G:\DCIM\100CASIO\CIMG0511.JPG"/>
+          <p:cNvPicPr>
+            <a:picLocks noChangeAspect="1" noChangeArrowheads="1"/>
+          </p:cNvPicPr>
+          <p:nvPr/>
+        </p:nvPicPr>
+        <p:blipFill>
+          <a:blip r:embed="rId4" cstate="print">
+            <a:lum bright="-40000" contrast="20000"/>
+          </a:blip>
+          <a:srcRect l="25000" t="8709" r="20000" b="21613"/>
+          <a:stretch>
+            <a:fillRect/>
+          </a:stretch>
+        </p:blipFill>
+        <p:spPr bwMode="auto">
+          <a:xfrm>
+            <a:off x="5343948" y="969935"/>
+            <a:ext cx="1924756" cy="1828800"/>
+          </a:xfrm>
+          <a:prstGeom prst="rect">
+            <a:avLst/>
+          </a:prstGeom>
+          <a:noFill/>
+        </p:spPr>
+      </p:pic>
+      <p:grpSp>
+        <p:nvGrpSpPr>
+          <p:cNvPr id="18" name="Group 17"/>
+          <p:cNvGrpSpPr/>
+          <p:nvPr/>
+        </p:nvGrpSpPr>
+        <p:grpSpPr>
+          <a:xfrm>
+            <a:off x="2941234" y="4339568"/>
+            <a:ext cx="2641600" cy="1981200"/>
+            <a:chOff x="2266244" y="914400"/>
+            <a:chExt cx="2641600" cy="1981200"/>
+          </a:xfrm>
+        </p:grpSpPr>
+        <p:pic>
+          <p:nvPicPr>
+            <p:cNvPr id="6152" name="Picture 8" descr="G:\DCIM\100CASIO\CIMG0510.JPG"/>
+            <p:cNvPicPr>
+              <a:picLocks noChangeAspect="1" noChangeArrowheads="1"/>
+            </p:cNvPicPr>
+            <p:nvPr/>
+          </p:nvPicPr>
+          <p:blipFill>
+            <a:blip r:embed="rId5" cstate="print"/>
+            <a:srcRect/>
+            <a:stretch>
+              <a:fillRect/>
+            </a:stretch>
+          </p:blipFill>
+          <p:spPr bwMode="auto">
+            <a:xfrm>
+              <a:off x="2266244" y="914400"/>
+              <a:ext cx="2641600" cy="1981200"/>
+            </a:xfrm>
+            <a:prstGeom prst="rect">
+              <a:avLst/>
+            </a:prstGeom>
+            <a:noFill/>
+          </p:spPr>
+        </p:pic>
+        <p:pic>
+          <p:nvPicPr>
+            <p:cNvPr id="16" name="Picture 8" descr="G:\DCIM\100CASIO\CIMG0510.JPG"/>
+            <p:cNvPicPr>
+              <a:picLocks noChangeAspect="1" noChangeArrowheads="1"/>
+            </p:cNvPicPr>
+            <p:nvPr/>
+          </p:nvPicPr>
+          <p:blipFill>
+            <a:blip r:embed="rId5" cstate="print"/>
+            <a:srcRect l="39510" t="23438" r="53099" b="69231"/>
+            <a:stretch>
+              <a:fillRect/>
+            </a:stretch>
+          </p:blipFill>
+          <p:spPr bwMode="auto">
+            <a:xfrm>
+              <a:off x="3267075" y="1250157"/>
+              <a:ext cx="195263" cy="145257"/>
+            </a:xfrm>
+            <a:prstGeom prst="rect">
+              <a:avLst/>
+            </a:prstGeom>
+            <a:noFill/>
+          </p:spPr>
+        </p:pic>
+        <p:pic>
+          <p:nvPicPr>
+            <p:cNvPr id="17" name="Picture 8" descr="G:\DCIM\100CASIO\CIMG0510.JPG"/>
+            <p:cNvPicPr>
+              <a:picLocks noChangeAspect="1" noChangeArrowheads="1"/>
+            </p:cNvPicPr>
+            <p:nvPr/>
+          </p:nvPicPr>
+          <p:blipFill>
+            <a:blip r:embed="rId5" cstate="print">
+              <a:lum bright="10000"/>
+            </a:blip>
+            <a:srcRect l="38248" t="23438" r="56434" b="69231"/>
+            <a:stretch>
+              <a:fillRect/>
+            </a:stretch>
+          </p:blipFill>
+          <p:spPr bwMode="auto">
+            <a:xfrm>
+              <a:off x="3445670" y="1259681"/>
+              <a:ext cx="140493" cy="145257"/>
+            </a:xfrm>
+            <a:prstGeom prst="rect">
+              <a:avLst/>
+            </a:prstGeom>
+            <a:noFill/>
+          </p:spPr>
+        </p:pic>
+      </p:grpSp>
+      <p:sp>
+        <p:nvSpPr>
+          <p:cNvPr id="19" name="TextBox 18"/>
+          <p:cNvSpPr txBox="1"/>
+          <p:nvPr/>
+        </p:nvSpPr>
+        <p:spPr>
+          <a:xfrm>
+            <a:off x="1961350" y="4897508"/>
+            <a:ext cx="976393" cy="369332"/>
+          </a:xfrm>
+          <a:prstGeom prst="rect">
+            <a:avLst/>
+          </a:prstGeom>
+          <a:noFill/>
+        </p:spPr>
+        <p:txBody>
+          <a:bodyPr wrap="square" rtlCol="0">
+            <a:spAutoFit/>
+          </a:bodyPr>
+          <a:lstStyle/>
+          <a:p>
+            <a:r>
+              <a:rPr lang="en-US" dirty="0"/>
+              <a:t>Laser</a:t>
+            </a:r>
+          </a:p>
+        </p:txBody>
+      </p:sp>
+      <p:sp>
+        <p:nvSpPr>
+          <p:cNvPr id="20" name="TextBox 19"/>
+          <p:cNvSpPr txBox="1"/>
+          <p:nvPr/>
+        </p:nvSpPr>
+        <p:spPr>
+          <a:xfrm>
+            <a:off x="5910835" y="5034410"/>
+            <a:ext cx="1583410" cy="646331"/>
+          </a:xfrm>
+          <a:prstGeom prst="rect">
+            <a:avLst/>
+          </a:prstGeom>
+          <a:noFill/>
+        </p:spPr>
+        <p:txBody>
+          <a:bodyPr wrap="square" rtlCol="0">
+            <a:spAutoFit/>
+          </a:bodyPr>
+          <a:lstStyle/>
+          <a:p>
+            <a:r>
+              <a:rPr lang="en-US" dirty="0"/>
+              <a:t>Movable Mirror</a:t>
+            </a:r>
+          </a:p>
+        </p:txBody>
+      </p:sp>
+      <p:sp>
+        <p:nvSpPr>
+          <p:cNvPr id="21" name="TextBox 20"/>
+          <p:cNvSpPr txBox="1"/>
+          <p:nvPr/>
+        </p:nvSpPr>
+        <p:spPr>
+          <a:xfrm>
+            <a:off x="4311927" y="6488668"/>
+            <a:ext cx="1583410" cy="369332"/>
+          </a:xfrm>
+          <a:prstGeom prst="rect">
+            <a:avLst/>
+          </a:prstGeom>
+          <a:noFill/>
+        </p:spPr>
+        <p:txBody>
+          <a:bodyPr wrap="square" rtlCol="0">
+            <a:spAutoFit/>
+          </a:bodyPr>
+          <a:lstStyle/>
+          <a:p>
+            <a:r>
+              <a:rPr lang="en-US" dirty="0"/>
+              <a:t>Fixed Mirror</a:t>
+            </a:r>
+          </a:p>
+        </p:txBody>
+      </p:sp>
+      <p:sp>
+        <p:nvSpPr>
+          <p:cNvPr id="22" name="TextBox 21"/>
+          <p:cNvSpPr txBox="1"/>
+          <p:nvPr/>
+        </p:nvSpPr>
+        <p:spPr>
+          <a:xfrm>
+            <a:off x="1101195" y="6052133"/>
+            <a:ext cx="1583410" cy="369332"/>
+          </a:xfrm>
+          <a:prstGeom prst="rect">
+            <a:avLst/>
+          </a:prstGeom>
+          <a:noFill/>
+        </p:spPr>
+        <p:txBody>
+          <a:bodyPr wrap="square" rtlCol="0">
+            <a:spAutoFit/>
+          </a:bodyPr>
+          <a:lstStyle/>
+          <a:p>
+            <a:r>
+              <a:rPr lang="en-US" dirty="0"/>
+              <a:t>Beam Splitter</a:t>
+            </a:r>
+          </a:p>
+        </p:txBody>
+      </p:sp>
+      <p:sp>
+        <p:nvSpPr>
+          <p:cNvPr id="23" name="TextBox 22"/>
+          <p:cNvSpPr txBox="1"/>
+          <p:nvPr/>
+        </p:nvSpPr>
+        <p:spPr>
+          <a:xfrm>
+            <a:off x="1694482" y="2903351"/>
+            <a:ext cx="1583410" cy="369332"/>
+          </a:xfrm>
+          <a:prstGeom prst="rect">
+            <a:avLst/>
+          </a:prstGeom>
+          <a:noFill/>
+        </p:spPr>
+        <p:txBody>
+          <a:bodyPr wrap="square" rtlCol="0">
+            <a:spAutoFit/>
+          </a:bodyPr>
+          <a:lstStyle/>
+          <a:p>
+            <a:r>
+              <a:rPr lang="en-US" dirty="0"/>
+              <a:t>Bright Center</a:t>
+            </a:r>
+          </a:p>
+        </p:txBody>
+      </p:sp>
+      <p:sp>
+        <p:nvSpPr>
+          <p:cNvPr id="24" name="TextBox 23"/>
+          <p:cNvSpPr txBox="1"/>
+          <p:nvPr/>
+        </p:nvSpPr>
+        <p:spPr>
+          <a:xfrm>
+            <a:off x="3784170" y="2900768"/>
+            <a:ext cx="1583410" cy="369332"/>
+          </a:xfrm>
+          <a:prstGeom prst="rect">
+            <a:avLst/>
+          </a:prstGeom>
+          <a:noFill/>
+        </p:spPr>
+        <p:txBody>
+          <a:bodyPr wrap="square" rtlCol="0">
+            <a:spAutoFit/>
+          </a:bodyPr>
+          <a:lstStyle/>
+          <a:p>
+            <a:r>
+              <a:rPr lang="en-US" dirty="0"/>
+              <a:t>Dark Center</a:t>
+            </a:r>
+          </a:p>
+        </p:txBody>
+      </p:sp>
+      <p:sp>
+        <p:nvSpPr>
+          <p:cNvPr id="25" name="TextBox 24"/>
+          <p:cNvSpPr txBox="1"/>
+          <p:nvPr/>
+        </p:nvSpPr>
+        <p:spPr>
+          <a:xfrm>
+            <a:off x="5625885" y="2898185"/>
+            <a:ext cx="1583410" cy="646331"/>
+          </a:xfrm>
+          <a:prstGeom prst="rect">
+            <a:avLst/>
+          </a:prstGeom>
+          <a:noFill/>
+        </p:spPr>
+        <p:txBody>
+          <a:bodyPr wrap="square" rtlCol="0">
+            <a:spAutoFit/>
+          </a:bodyPr>
+          <a:lstStyle/>
+          <a:p>
+            <a:r>
+              <a:rPr lang="en-US" dirty="0"/>
+              <a:t>Small Off-Center Fringes</a:t>
+            </a:r>
+          </a:p>
+        </p:txBody>
+      </p:sp>
+      <p:cxnSp>
+        <p:nvCxnSpPr>
+          <p:cNvPr id="27" name="Straight Arrow Connector 26"/>
+          <p:cNvCxnSpPr/>
+          <p:nvPr/>
+        </p:nvCxnSpPr>
+        <p:spPr>
+          <a:xfrm flipV="1">
+            <a:off x="2472794" y="5346959"/>
+            <a:ext cx="1735810" cy="852406"/>
+          </a:xfrm>
+          <a:prstGeom prst="straightConnector1">
+            <a:avLst/>
+          </a:prstGeom>
+          <a:ln>
+            <a:solidFill>
+              <a:srgbClr val="FF0000"/>
+            </a:solidFill>
+            <a:tailEnd type="arrow"/>
+          </a:ln>
+        </p:spPr>
+        <p:style>
+          <a:lnRef idx="1">
+            <a:schemeClr val="accent1"/>
+          </a:lnRef>
+          <a:fillRef idx="0">
+            <a:schemeClr val="accent1"/>
+          </a:fillRef>
+          <a:effectRef idx="0">
+            <a:schemeClr val="accent1"/>
+          </a:effectRef>
+          <a:fontRef idx="minor">
+            <a:schemeClr val="tx1"/>
+          </a:fontRef>
+        </p:style>
+      </p:cxnSp>
+      <p:cxnSp>
+        <p:nvCxnSpPr>
+          <p:cNvPr id="28" name="Straight Arrow Connector 27"/>
+          <p:cNvCxnSpPr/>
+          <p:nvPr/>
+        </p:nvCxnSpPr>
+        <p:spPr>
+          <a:xfrm flipH="1" flipV="1">
+            <a:off x="4348089" y="5997887"/>
+            <a:ext cx="278969" cy="449452"/>
+          </a:xfrm>
+          <a:prstGeom prst="straightConnector1">
+            <a:avLst/>
+          </a:prstGeom>
+          <a:ln>
+            <a:solidFill>
+              <a:srgbClr val="FF0000"/>
+            </a:solidFill>
+            <a:tailEnd type="arrow"/>
+          </a:ln>
+        </p:spPr>
+        <p:style>
+          <a:lnRef idx="1">
+            <a:schemeClr val="accent1"/>
+          </a:lnRef>
+          <a:fillRef idx="0">
+            <a:schemeClr val="accent1"/>
+          </a:fillRef>
+          <a:effectRef idx="0">
+            <a:schemeClr val="accent1"/>
+          </a:effectRef>
+          <a:fontRef idx="minor">
+            <a:schemeClr val="tx1"/>
+          </a:fontRef>
+        </p:style>
+      </p:cxnSp>
+      <p:cxnSp>
+        <p:nvCxnSpPr>
+          <p:cNvPr id="31" name="Straight Arrow Connector 30"/>
+          <p:cNvCxnSpPr/>
+          <p:nvPr/>
+        </p:nvCxnSpPr>
+        <p:spPr>
+          <a:xfrm flipH="1" flipV="1">
+            <a:off x="5244408" y="5204890"/>
+            <a:ext cx="638013" cy="33580"/>
+          </a:xfrm>
+          <a:prstGeom prst="straightConnector1">
+            <a:avLst/>
+          </a:prstGeom>
+          <a:ln>
+            <a:solidFill>
+              <a:srgbClr val="FF0000"/>
+            </a:solidFill>
+            <a:tailEnd type="arrow"/>
+          </a:ln>
+        </p:spPr>
+        <p:style>
+          <a:lnRef idx="1">
+            <a:schemeClr val="accent1"/>
+          </a:lnRef>
+          <a:fillRef idx="0">
+            <a:schemeClr val="accent1"/>
+          </a:fillRef>
+          <a:effectRef idx="0">
+            <a:schemeClr val="accent1"/>
+          </a:effectRef>
+          <a:fontRef idx="minor">
+            <a:schemeClr val="tx1"/>
+          </a:fontRef>
+        </p:style>
+      </p:cxnSp>
+      <p:sp>
+        <p:nvSpPr>
+          <p:cNvPr id="33" name="TextBox 32"/>
+          <p:cNvSpPr txBox="1"/>
+          <p:nvPr/>
+        </p:nvSpPr>
+        <p:spPr>
+          <a:xfrm>
+            <a:off x="4701153" y="3859077"/>
+            <a:ext cx="1583410" cy="369332"/>
+          </a:xfrm>
+          <a:prstGeom prst="rect">
+            <a:avLst/>
+          </a:prstGeom>
+          <a:noFill/>
+        </p:spPr>
+        <p:txBody>
+          <a:bodyPr wrap="square" rtlCol="0">
+            <a:spAutoFit/>
+          </a:bodyPr>
+          <a:lstStyle/>
+          <a:p>
+            <a:r>
+              <a:rPr lang="en-US"/>
+              <a:t>To Screen</a:t>
+            </a:r>
+            <a:endParaRPr lang="en-US" dirty="0"/>
+          </a:p>
+        </p:txBody>
+      </p:sp>
+      <p:cxnSp>
+        <p:nvCxnSpPr>
+          <p:cNvPr id="34" name="Straight Arrow Connector 33"/>
+          <p:cNvCxnSpPr/>
+          <p:nvPr/>
+        </p:nvCxnSpPr>
+        <p:spPr>
+          <a:xfrm flipH="1" flipV="1">
+            <a:off x="4500489" y="6150287"/>
+            <a:ext cx="278969" cy="449452"/>
+          </a:xfrm>
+          <a:prstGeom prst="straightConnector1">
+            <a:avLst/>
+          </a:prstGeom>
+          <a:ln>
+            <a:solidFill>
+              <a:srgbClr val="FF0000"/>
+            </a:solidFill>
+            <a:tailEnd type="arrow"/>
+          </a:ln>
+        </p:spPr>
+        <p:style>
+          <a:lnRef idx="1">
+            <a:schemeClr val="accent1"/>
+          </a:lnRef>
+          <a:fillRef idx="0">
+            <a:schemeClr val="accent1"/>
+          </a:fillRef>
+          <a:effectRef idx="0">
+            <a:schemeClr val="accent1"/>
+          </a:effectRef>
+          <a:fontRef idx="minor">
+            <a:schemeClr val="tx1"/>
+          </a:fontRef>
+        </p:style>
+      </p:cxnSp>
+      <p:cxnSp>
+        <p:nvCxnSpPr>
+          <p:cNvPr id="35" name="Straight Arrow Connector 34"/>
+          <p:cNvCxnSpPr/>
+          <p:nvPr/>
+        </p:nvCxnSpPr>
+        <p:spPr>
+          <a:xfrm flipH="1" flipV="1">
+            <a:off x="4479010" y="3797085"/>
+            <a:ext cx="5982" cy="648388"/>
+          </a:xfrm>
+          <a:prstGeom prst="straightConnector1">
+            <a:avLst/>
+          </a:prstGeom>
+          <a:ln>
+            <a:solidFill>
+              <a:srgbClr val="FF0000"/>
+            </a:solidFill>
+            <a:tailEnd type="arrow"/>
+          </a:ln>
+        </p:spPr>
+        <p:style>
+          <a:lnRef idx="1">
+            <a:schemeClr val="accent1"/>
+          </a:lnRef>
+          <a:fillRef idx="0">
+            <a:schemeClr val="accent1"/>
+          </a:fillRef>
+          <a:effectRef idx="0">
+            <a:schemeClr val="accent1"/>
+          </a:effectRef>
+          <a:fontRef idx="minor">
+            <a:schemeClr val="tx1"/>
+          </a:fontRef>
+        </p:style>
+      </p:cxnSp>
+    </p:spTree>
+  </p:cSld>
+  <p:clrMapOvr>
+    <a:masterClrMapping/>
+  </p:clrMapOvr>
+</p:sld>
+</file>
+
+<file path=ppt/slides/slide13.xml><?xml version="1.0" encoding="utf-8"?>
 <p:sld xmlns:a="http://schemas.openxmlformats.org/drawingml/2006/main" xmlns:r="http://schemas.openxmlformats.org/officeDocument/2006/relationships" xmlns:p="http://schemas.openxmlformats.org/presentationml/2006/main">
   <p:cSld>
     <p:spTree>
@@ -3410,7 +4282,7 @@
           <a:p>
             <a:pPr eaLnBrk="1" hangingPunct="1"/>
             <a:r>
-              <a:rPr lang="en-US" smtClean="0"/>
+              <a:rPr lang="en-US"/>
               <a:t>Holography</a:t>
             </a:r>
           </a:p>
@@ -4789,17 +5661,10 @@
   <p:clrMapOvr>
     <a:masterClrMapping/>
   </p:clrMapOvr>
-  <p:timing>
-    <p:tnLst>
-      <p:par>
-        <p:cTn id="1" dur="indefinite" restart="never" nodeType="tmRoot"/>
-      </p:par>
-    </p:tnLst>
-  </p:timing>
 </p:sld>
 </file>
 
-<file path=ppt/slides/slide11.xml><?xml version="1.0" encoding="utf-8"?>
+<file path=ppt/slides/slide14.xml><?xml version="1.0" encoding="utf-8"?>
 <p:sld xmlns:a="http://schemas.openxmlformats.org/drawingml/2006/main" xmlns:r="http://schemas.openxmlformats.org/officeDocument/2006/relationships" xmlns:p="http://schemas.openxmlformats.org/presentationml/2006/main">
   <p:cSld>
     <p:spTree>
@@ -4857,7 +5722,7 @@
           <a:p>
             <a:pPr eaLnBrk="1" hangingPunct="1"/>
             <a:r>
-              <a:rPr lang="en-US" smtClean="0"/>
+              <a:rPr lang="en-US"/>
               <a:t>Holography Reconstruction</a:t>
             </a:r>
           </a:p>
@@ -30929,17 +31794,10 @@
   <p:clrMapOvr>
     <a:masterClrMapping/>
   </p:clrMapOvr>
-  <p:timing>
-    <p:tnLst>
-      <p:par>
-        <p:cTn id="1" dur="indefinite" restart="never" nodeType="tmRoot"/>
-      </p:par>
-    </p:tnLst>
-  </p:timing>
 </p:sld>
 </file>
 
-<file path=ppt/slides/slide12.xml><?xml version="1.0" encoding="utf-8"?>
+<file path=ppt/slides/slide15.xml><?xml version="1.0" encoding="utf-8"?>
 <p:sld xmlns:a="http://schemas.openxmlformats.org/drawingml/2006/main" xmlns:r="http://schemas.openxmlformats.org/officeDocument/2006/relationships" xmlns:p="http://schemas.openxmlformats.org/presentationml/2006/main">
   <p:cSld>
     <p:spTree>
@@ -31004,7 +31862,7 @@
           <a:p>
             <a:pPr eaLnBrk="1" hangingPunct="1"/>
             <a:r>
-              <a:rPr lang="en-US" smtClean="0"/>
+              <a:rPr lang="en-US"/>
               <a:t>Diffraction of X-Rays by Crystals</a:t>
             </a:r>
           </a:p>
@@ -31027,20 +31885,20 @@
           <a:p>
             <a:pPr eaLnBrk="1" hangingPunct="1"/>
             <a:r>
-              <a:rPr lang="en-US" smtClean="0"/>
+              <a:rPr lang="en-US"/>
               <a:t>X-rays are electromagnetic waves of very short wavelength</a:t>
             </a:r>
           </a:p>
           <a:p>
             <a:pPr eaLnBrk="1" hangingPunct="1"/>
             <a:r>
-              <a:rPr lang="en-US" smtClean="0"/>
+              <a:rPr lang="en-US"/>
               <a:t>Max von Laue suggested that the regular array of atoms in a crystal could act as a three-dimensional diffraction grating for x-rays</a:t>
             </a:r>
           </a:p>
           <a:p>
             <a:pPr eaLnBrk="1" hangingPunct="1"/>
-            <a:endParaRPr lang="en-US" smtClean="0"/>
+            <a:endParaRPr lang="en-US"/>
           </a:p>
         </p:txBody>
       </p:sp>
@@ -31049,17 +31907,10 @@
   <p:clrMapOvr>
     <a:masterClrMapping/>
   </p:clrMapOvr>
-  <p:timing>
-    <p:tnLst>
-      <p:par>
-        <p:cTn id="1" dur="indefinite" restart="never" nodeType="tmRoot"/>
-      </p:par>
-    </p:tnLst>
-  </p:timing>
 </p:sld>
 </file>
 
-<file path=ppt/slides/slide13.xml><?xml version="1.0" encoding="utf-8"?>
+<file path=ppt/slides/slide16.xml><?xml version="1.0" encoding="utf-8"?>
 <p:sld xmlns:a="http://schemas.openxmlformats.org/drawingml/2006/main" xmlns:r="http://schemas.openxmlformats.org/officeDocument/2006/relationships" xmlns:p="http://schemas.openxmlformats.org/presentationml/2006/main">
   <p:cSld>
     <p:spTree>
@@ -31867,7 +32718,7 @@
           <a:lstStyle/>
           <a:p>
             <a:r>
-              <a:rPr lang="en-US" sz="2800" dirty="0" smtClean="0">
+              <a:rPr lang="en-US" sz="2800" dirty="0">
                 <a:sym typeface="Symbol"/>
               </a:rPr>
               <a:t></a:t>
@@ -31899,7 +32750,7 @@
           <a:lstStyle/>
           <a:p>
             <a:r>
-              <a:rPr lang="en-US" sz="2800" dirty="0" smtClean="0">
+              <a:rPr lang="en-US" sz="2800" dirty="0">
                 <a:sym typeface="Symbol"/>
               </a:rPr>
               <a:t></a:t>
@@ -31975,7 +32826,7 @@
           <a:lstStyle/>
           <a:p>
             <a:r>
-              <a:rPr lang="en-US" sz="2000" dirty="0" smtClean="0">
+              <a:rPr lang="en-US" sz="2000" dirty="0">
                 <a:sym typeface="Symbol"/>
               </a:rPr>
               <a:t></a:t>
@@ -32141,7 +32992,7 @@
         <p:nvGraphicFramePr>
           <p:cNvPr id="38" name="Content Placeholder 37"/>
           <p:cNvGraphicFramePr>
-            <a:graphicFrameLocks noChangeAspect="1"/>
+            <a:graphicFrameLocks noGrp="1" noChangeAspect="1"/>
           </p:cNvGraphicFramePr>
           <p:nvPr>
             <p:ph idx="1"/>
@@ -32153,9 +33004,59 @@
         </p:xfrm>
         <a:graphic>
           <a:graphicData uri="http://schemas.openxmlformats.org/presentationml/2006/ole">
-            <p:oleObj spid="_x0000_s2050" name="Equation" r:id="rId3" imgW="520560" imgH="215640" progId="Equation.3">
-              <p:embed/>
-            </p:oleObj>
+            <mc:AlternateContent xmlns:mc="http://schemas.openxmlformats.org/markup-compatibility/2006">
+              <mc:Choice xmlns:v="urn:schemas-microsoft-com:vml" Requires="v">
+                <p:oleObj name="Equation" r:id="rId2" imgW="520560" imgH="215640" progId="Equation.3">
+                  <p:embed/>
+                </p:oleObj>
+              </mc:Choice>
+              <mc:Fallback>
+                <p:oleObj name="Equation" r:id="rId2" imgW="520560" imgH="215640" progId="Equation.3">
+                  <p:embed/>
+                  <p:pic>
+                    <p:nvPicPr>
+                      <p:cNvPr id="38" name="Content Placeholder 37"/>
+                      <p:cNvPicPr>
+                        <a:picLocks noChangeAspect="1" noChangeArrowheads="1"/>
+                      </p:cNvPicPr>
+                      <p:nvPr/>
+                    </p:nvPicPr>
+                    <p:blipFill>
+                      <a:blip r:embed="rId3">
+                        <a:extLst>
+                          <a:ext uri="{28A0092B-C50C-407E-A947-70E740481C1C}">
+                            <a14:useLocalDpi xmlns:a14="http://schemas.microsoft.com/office/drawing/2010/main" val="0"/>
+                          </a:ext>
+                        </a:extLst>
+                      </a:blip>
+                      <a:srcRect/>
+                      <a:stretch>
+                        <a:fillRect/>
+                      </a:stretch>
+                    </p:blipFill>
+                    <p:spPr bwMode="auto">
+                      <a:xfrm>
+                        <a:off x="3886200" y="4724400"/>
+                        <a:ext cx="1203325" cy="499047"/>
+                      </a:xfrm>
+                      <a:prstGeom prst="rect">
+                        <a:avLst/>
+                      </a:prstGeom>
+                      <a:noFill/>
+                      <a:extLst>
+                        <a:ext uri="{909E8E84-426E-40DD-AFC4-6F175D3DCCD1}">
+                          <a14:hiddenFill xmlns:a14="http://schemas.microsoft.com/office/drawing/2010/main">
+                            <a:solidFill>
+                              <a:srgbClr val="FFFFFF"/>
+                            </a:solidFill>
+                          </a14:hiddenFill>
+                        </a:ext>
+                      </a:extLst>
+                    </p:spPr>
+                  </p:pic>
+                </p:oleObj>
+              </mc:Fallback>
+            </mc:AlternateContent>
           </a:graphicData>
         </a:graphic>
       </p:graphicFrame>
@@ -32219,10 +33120,9 @@
           <a:lstStyle/>
           <a:p>
             <a:r>
-              <a:rPr lang="en-US" sz="3600" dirty="0" smtClean="0"/>
+              <a:rPr lang="en-US" sz="3600" dirty="0"/>
               <a:t>d</a:t>
             </a:r>
-            <a:endParaRPr lang="en-US" sz="3600" dirty="0"/>
           </a:p>
         </p:txBody>
       </p:sp>
@@ -32249,10 +33149,9 @@
           <a:lstStyle/>
           <a:p>
             <a:r>
-              <a:rPr lang="en-US" dirty="0" smtClean="0"/>
+              <a:rPr lang="en-US" dirty="0"/>
               <a:t>First Row of Atoms</a:t>
             </a:r>
-            <a:endParaRPr lang="en-US" dirty="0"/>
           </a:p>
         </p:txBody>
       </p:sp>
@@ -32279,10 +33178,9 @@
           <a:lstStyle/>
           <a:p>
             <a:r>
-              <a:rPr lang="en-US" dirty="0" smtClean="0"/>
+              <a:rPr lang="en-US" dirty="0"/>
               <a:t>Second Row of Atoms</a:t>
             </a:r>
-            <a:endParaRPr lang="en-US" dirty="0"/>
           </a:p>
         </p:txBody>
       </p:sp>
@@ -32309,10 +33207,9 @@
           <a:lstStyle/>
           <a:p>
             <a:r>
-              <a:rPr lang="en-US" dirty="0" smtClean="0"/>
+              <a:rPr lang="en-US" dirty="0"/>
               <a:t>Incident Beam</a:t>
             </a:r>
-            <a:endParaRPr lang="en-US" dirty="0"/>
           </a:p>
         </p:txBody>
       </p:sp>
@@ -32339,10 +33236,9 @@
           <a:lstStyle/>
           <a:p>
             <a:r>
-              <a:rPr lang="en-US" dirty="0" smtClean="0"/>
+              <a:rPr lang="en-US" dirty="0"/>
               <a:t>Reflected Beam</a:t>
             </a:r>
-            <a:endParaRPr lang="en-US" dirty="0"/>
           </a:p>
         </p:txBody>
       </p:sp>
@@ -32621,7 +33517,7 @@
 </p:sld>
 </file>
 
-<file path=ppt/slides/slide14.xml><?xml version="1.0" encoding="utf-8"?>
+<file path=ppt/slides/slide17.xml><?xml version="1.0" encoding="utf-8"?>
 <p:sld xmlns:a="http://schemas.openxmlformats.org/drawingml/2006/main" xmlns:r="http://schemas.openxmlformats.org/officeDocument/2006/relationships" xmlns:p="http://schemas.openxmlformats.org/presentationml/2006/main">
   <p:cSld>
     <p:spTree>
@@ -32684,7 +33580,7 @@
           <a:p>
             <a:pPr eaLnBrk="1" hangingPunct="1"/>
             <a:r>
-              <a:rPr lang="en-US" sz="3200" smtClean="0"/>
+              <a:rPr lang="en-US" sz="3200"/>
               <a:t>Diffraction of X-Rays by Crystals, Set-Up</a:t>
             </a:r>
           </a:p>
@@ -32712,32 +33608,32 @@
           <a:p>
             <a:pPr eaLnBrk="1" hangingPunct="1"/>
             <a:r>
-              <a:rPr lang="en-US" sz="2200" smtClean="0"/>
+              <a:rPr lang="en-US" sz="2200"/>
               <a:t>A collimated beam of monochromatic x-rays is incident on a crystal</a:t>
             </a:r>
           </a:p>
           <a:p>
             <a:pPr eaLnBrk="1" hangingPunct="1"/>
             <a:r>
-              <a:rPr lang="en-US" sz="2200" smtClean="0"/>
+              <a:rPr lang="en-US" sz="2200"/>
               <a:t>The diffracted beams are very intense in certain directions</a:t>
             </a:r>
           </a:p>
           <a:p>
             <a:pPr lvl="1" eaLnBrk="1" hangingPunct="1"/>
             <a:r>
-              <a:rPr lang="en-US" sz="2000" smtClean="0"/>
+              <a:rPr lang="en-US" sz="2000"/>
               <a:t>This corresponds to constructive interference from waves reflected from layers of atoms in the crystal</a:t>
             </a:r>
           </a:p>
           <a:p>
             <a:pPr eaLnBrk="1" hangingPunct="1"/>
             <a:r>
-              <a:rPr lang="en-US" sz="2200" smtClean="0"/>
+              <a:rPr lang="en-US" sz="2200"/>
               <a:t>The diffracted beams form an array of spots known as a </a:t>
             </a:r>
             <a:r>
-              <a:rPr lang="en-US" sz="2200" i="1" smtClean="0"/>
+              <a:rPr lang="en-US" sz="2200" i="1"/>
               <a:t>Laue pattern</a:t>
             </a:r>
           </a:p>
@@ -32773,17 +33669,10 @@
   <p:clrMapOvr>
     <a:masterClrMapping/>
   </p:clrMapOvr>
-  <p:timing>
-    <p:tnLst>
-      <p:par>
-        <p:cTn id="1" dur="indefinite" restart="never" nodeType="tmRoot"/>
-      </p:par>
-    </p:tnLst>
-  </p:timing>
 </p:sld>
 </file>
 
-<file path=ppt/slides/slide15.xml><?xml version="1.0" encoding="utf-8"?>
+<file path=ppt/slides/slide18.xml><?xml version="1.0" encoding="utf-8"?>
 <p:sld xmlns:a="http://schemas.openxmlformats.org/drawingml/2006/main" xmlns:r="http://schemas.openxmlformats.org/officeDocument/2006/relationships" xmlns:p="http://schemas.openxmlformats.org/presentationml/2006/main">
   <p:cSld>
     <p:spTree>
@@ -32890,7 +33779,7 @@
 </p:sld>
 </file>
 
-<file path=ppt/slides/slide16.xml><?xml version="1.0" encoding="utf-8"?>
+<file path=ppt/slides/slide19.xml><?xml version="1.0" encoding="utf-8"?>
 <p:sld xmlns:a="http://schemas.openxmlformats.org/drawingml/2006/main" xmlns:r="http://schemas.openxmlformats.org/officeDocument/2006/relationships" xmlns:p="http://schemas.openxmlformats.org/presentationml/2006/main">
   <p:cSld>
     <p:spTree>
@@ -32997,7 +33886,166 @@
 </p:sld>
 </file>
 
-<file path=ppt/slides/slide17.xml><?xml version="1.0" encoding="utf-8"?>
+<file path=ppt/slides/slide2.xml><?xml version="1.0" encoding="utf-8"?>
+<p:sld xmlns:a="http://schemas.openxmlformats.org/drawingml/2006/main" xmlns:r="http://schemas.openxmlformats.org/officeDocument/2006/relationships" xmlns:p="http://schemas.openxmlformats.org/presentationml/2006/main">
+  <p:cSld>
+    <p:spTree>
+      <p:nvGrpSpPr>
+        <p:cNvPr id="1" name=""/>
+        <p:cNvGrpSpPr/>
+        <p:nvPr/>
+      </p:nvGrpSpPr>
+      <p:grpSpPr>
+        <a:xfrm>
+          <a:off x="0" y="0"/>
+          <a:ext cx="0" cy="0"/>
+          <a:chOff x="0" y="0"/>
+          <a:chExt cx="0" cy="0"/>
+        </a:xfrm>
+      </p:grpSpPr>
+      <p:sp>
+        <p:nvSpPr>
+          <p:cNvPr id="2" name="Title 1"/>
+          <p:cNvSpPr>
+            <a:spLocks noGrp="1"/>
+          </p:cNvSpPr>
+          <p:nvPr>
+            <p:ph type="title"/>
+          </p:nvPr>
+        </p:nvSpPr>
+        <p:spPr/>
+        <p:txBody>
+          <a:bodyPr/>
+          <a:lstStyle/>
+          <a:p>
+            <a:r>
+              <a:rPr lang="en-US" dirty="0"/>
+              <a:t>Question 223.12.1</a:t>
+            </a:r>
+          </a:p>
+        </p:txBody>
+      </p:sp>
+      <p:sp>
+        <p:nvSpPr>
+          <p:cNvPr id="3" name="Content Placeholder 2"/>
+          <p:cNvSpPr>
+            <a:spLocks noGrp="1"/>
+          </p:cNvSpPr>
+          <p:nvPr>
+            <p:ph idx="1"/>
+          </p:nvPr>
+        </p:nvSpPr>
+        <p:spPr/>
+        <p:txBody>
+          <a:bodyPr>
+            <a:normAutofit lnSpcReduction="10000"/>
+          </a:bodyPr>
+          <a:lstStyle/>
+          <a:p>
+            <a:pPr>
+              <a:buNone/>
+            </a:pPr>
+            <a:r>
+              <a:rPr lang="en-US" dirty="0"/>
+              <a:t>I have a single slit illuminated by a laser. The slit width is  </a:t>
+            </a:r>
+            <a:r>
+              <a:rPr lang="en-US" i="1" dirty="0"/>
+              <a:t>a</a:t>
+            </a:r>
+            <a:r>
+              <a:rPr lang="en-US" dirty="0"/>
+              <a:t> and the light that passes through the slit lands on the screen, a distance  </a:t>
+            </a:r>
+            <a:r>
+              <a:rPr lang="en-US" i="1" dirty="0"/>
+              <a:t>L</a:t>
+            </a:r>
+            <a:r>
+              <a:rPr lang="en-US" dirty="0"/>
+              <a:t> away. If the screen is moved farther away, the size of the central spot will</a:t>
+            </a:r>
+          </a:p>
+          <a:p>
+            <a:pPr marL="514350" indent="-514350">
+              <a:buFont typeface="+mj-lt"/>
+              <a:buAutoNum type="alphaLcParenR"/>
+            </a:pPr>
+            <a:r>
+              <a:rPr lang="en-US" dirty="0"/>
+              <a:t>Increase</a:t>
+            </a:r>
+          </a:p>
+          <a:p>
+            <a:pPr marL="514350" indent="-514350">
+              <a:buFont typeface="+mj-lt"/>
+              <a:buAutoNum type="alphaLcParenR"/>
+            </a:pPr>
+            <a:r>
+              <a:rPr lang="en-US" dirty="0"/>
+              <a:t>Decrease</a:t>
+            </a:r>
+          </a:p>
+          <a:p>
+            <a:pPr marL="514350" indent="-514350">
+              <a:buFont typeface="+mj-lt"/>
+              <a:buAutoNum type="alphaLcParenR"/>
+            </a:pPr>
+            <a:r>
+              <a:rPr lang="en-US" dirty="0"/>
+              <a:t>Stay the same</a:t>
+            </a:r>
+          </a:p>
+          <a:p>
+            <a:pPr marL="514350" indent="-514350">
+              <a:buFont typeface="+mj-lt"/>
+              <a:buAutoNum type="alphaLcParenR"/>
+            </a:pPr>
+            <a:r>
+              <a:rPr lang="en-US" dirty="0"/>
+              <a:t>Impossible to tell </a:t>
+            </a:r>
+          </a:p>
+        </p:txBody>
+      </p:sp>
+      <p:sp>
+        <p:nvSpPr>
+          <p:cNvPr id="4" name="Slide Number Placeholder 3"/>
+          <p:cNvSpPr>
+            <a:spLocks noGrp="1"/>
+          </p:cNvSpPr>
+          <p:nvPr>
+            <p:ph type="sldNum" sz="quarter" idx="12"/>
+          </p:nvPr>
+        </p:nvSpPr>
+        <p:spPr/>
+        <p:txBody>
+          <a:bodyPr/>
+          <a:lstStyle/>
+          <a:p>
+            <a:pPr>
+              <a:defRPr/>
+            </a:pPr>
+            <a:fld id="{64137B81-8888-4253-92EC-0AED2A590749}" type="slidenum">
+              <a:rPr lang="en-US" smtClean="0"/>
+              <a:pPr>
+                <a:defRPr/>
+              </a:pPr>
+              <a:t>2</a:t>
+            </a:fld>
+            <a:endParaRPr lang="en-US"/>
+          </a:p>
+        </p:txBody>
+      </p:sp>
+    </p:spTree>
+  </p:cSld>
+  <p:clrMapOvr>
+    <a:masterClrMapping/>
+  </p:clrMapOvr>
+</p:sld>
+</file>
+
+<file path=ppt/slides/slide20.xml><?xml version="1.0" encoding="utf-8"?>
 <p:sld xmlns:a="http://schemas.openxmlformats.org/drawingml/2006/main" xmlns:r="http://schemas.openxmlformats.org/officeDocument/2006/relationships" xmlns:p="http://schemas.openxmlformats.org/presentationml/2006/main">
   <p:cSld>
     <p:spTree>
@@ -33055,7 +34103,7 @@
           <a:p>
             <a:pPr eaLnBrk="1" hangingPunct="1"/>
             <a:r>
-              <a:rPr lang="en-US" smtClean="0"/>
+              <a:rPr lang="en-US"/>
               <a:t>Laue Pattern for Beryl</a:t>
             </a:r>
           </a:p>
@@ -33098,17 +34146,10 @@
   <p:clrMapOvr>
     <a:masterClrMapping/>
   </p:clrMapOvr>
-  <p:timing>
-    <p:tnLst>
-      <p:par>
-        <p:cTn id="1" dur="indefinite" restart="never" nodeType="tmRoot"/>
-      </p:par>
-    </p:tnLst>
-  </p:timing>
 </p:sld>
 </file>
 
-<file path=ppt/slides/slide18.xml><?xml version="1.0" encoding="utf-8"?>
+<file path=ppt/slides/slide21.xml><?xml version="1.0" encoding="utf-8"?>
 <p:sld xmlns:a="http://schemas.openxmlformats.org/drawingml/2006/main" xmlns:r="http://schemas.openxmlformats.org/officeDocument/2006/relationships" xmlns:p="http://schemas.openxmlformats.org/presentationml/2006/main">
   <p:cSld>
     <p:spTree>
@@ -33166,7 +34207,7 @@
           <a:p>
             <a:pPr eaLnBrk="1" hangingPunct="1"/>
             <a:r>
-              <a:rPr lang="en-US" smtClean="0"/>
+              <a:rPr lang="en-US"/>
               <a:t>Laue Pattern for Rubisco</a:t>
             </a:r>
           </a:p>
@@ -33209,17 +34250,312 @@
   <p:clrMapOvr>
     <a:masterClrMapping/>
   </p:clrMapOvr>
-  <p:timing>
-    <p:tnLst>
-      <p:par>
-        <p:cTn id="1" dur="indefinite" restart="never" nodeType="tmRoot"/>
-      </p:par>
-    </p:tnLst>
-  </p:timing>
 </p:sld>
 </file>
 
-<file path=ppt/slides/slide2.xml><?xml version="1.0" encoding="utf-8"?>
+<file path=ppt/slides/slide22.xml><?xml version="1.0" encoding="utf-8"?>
+<p:sld xmlns:a="http://schemas.openxmlformats.org/drawingml/2006/main" xmlns:r="http://schemas.openxmlformats.org/officeDocument/2006/relationships" xmlns:p="http://schemas.openxmlformats.org/presentationml/2006/main">
+  <p:cSld>
+    <p:spTree>
+      <p:nvGrpSpPr>
+        <p:cNvPr id="1" name=""/>
+        <p:cNvGrpSpPr/>
+        <p:nvPr/>
+      </p:nvGrpSpPr>
+      <p:grpSpPr>
+        <a:xfrm>
+          <a:off x="0" y="0"/>
+          <a:ext cx="0" cy="0"/>
+          <a:chOff x="0" y="0"/>
+          <a:chExt cx="0" cy="0"/>
+        </a:xfrm>
+      </p:grpSpPr>
+      <p:sp>
+        <p:nvSpPr>
+          <p:cNvPr id="2" name="Title 1"/>
+          <p:cNvSpPr>
+            <a:spLocks noGrp="1"/>
+          </p:cNvSpPr>
+          <p:nvPr>
+            <p:ph type="title"/>
+          </p:nvPr>
+        </p:nvSpPr>
+        <p:spPr/>
+        <p:txBody>
+          <a:bodyPr/>
+          <a:lstStyle/>
+          <a:p>
+            <a:r>
+              <a:rPr lang="en-US" dirty="0"/>
+              <a:t>Question 223.13.0.6</a:t>
+            </a:r>
+          </a:p>
+        </p:txBody>
+      </p:sp>
+      <p:sp>
+        <p:nvSpPr>
+          <p:cNvPr id="3" name="Content Placeholder 2"/>
+          <p:cNvSpPr>
+            <a:spLocks noGrp="1"/>
+          </p:cNvSpPr>
+          <p:nvPr>
+            <p:ph idx="1"/>
+          </p:nvPr>
+        </p:nvSpPr>
+        <p:spPr/>
+        <p:txBody>
+          <a:bodyPr/>
+          <a:lstStyle/>
+          <a:p>
+            <a:pPr marL="0" indent="0">
+              <a:buNone/>
+            </a:pPr>
+            <a:r>
+              <a:rPr lang="en-US" dirty="0"/>
+              <a:t>I have radar waves (</a:t>
+            </a:r>
+            <a:r>
+              <a:rPr lang="en-US" dirty="0">
+                <a:sym typeface="Symbol"/>
+              </a:rPr>
+              <a:t> = </a:t>
+            </a:r>
+            <a:r>
+              <a:rPr lang="en-US" dirty="0"/>
+              <a:t>3.2cm) that illuminate a circular aperture with diameter of 2mm. Will the wave nature of light be important?</a:t>
+            </a:r>
+          </a:p>
+          <a:p>
+            <a:pPr marL="514350" indent="-514350">
+              <a:buAutoNum type="alphaLcParenR"/>
+            </a:pPr>
+            <a:r>
+              <a:rPr lang="en-US" dirty="0"/>
+              <a:t>Yes</a:t>
+            </a:r>
+          </a:p>
+          <a:p>
+            <a:pPr marL="514350" indent="-514350">
+              <a:buAutoNum type="alphaLcParenR"/>
+            </a:pPr>
+            <a:r>
+              <a:rPr lang="en-US" dirty="0"/>
+              <a:t>No</a:t>
+            </a:r>
+          </a:p>
+          <a:p>
+            <a:pPr marL="514350" indent="-514350">
+              <a:buAutoNum type="alphaLcParenR"/>
+            </a:pPr>
+            <a:r>
+              <a:rPr lang="en-US" dirty="0"/>
+              <a:t>Maybe</a:t>
+            </a:r>
+          </a:p>
+        </p:txBody>
+      </p:sp>
+      <p:sp>
+        <p:nvSpPr>
+          <p:cNvPr id="4" name="Slide Number Placeholder 3"/>
+          <p:cNvSpPr>
+            <a:spLocks noGrp="1"/>
+          </p:cNvSpPr>
+          <p:nvPr>
+            <p:ph type="sldNum" sz="quarter" idx="12"/>
+          </p:nvPr>
+        </p:nvSpPr>
+        <p:spPr/>
+        <p:txBody>
+          <a:bodyPr/>
+          <a:lstStyle/>
+          <a:p>
+            <a:pPr>
+              <a:defRPr/>
+            </a:pPr>
+            <a:fld id="{64137B81-8888-4253-92EC-0AED2A590749}" type="slidenum">
+              <a:rPr lang="en-US" smtClean="0"/>
+              <a:pPr>
+                <a:defRPr/>
+              </a:pPr>
+              <a:t>22</a:t>
+            </a:fld>
+            <a:endParaRPr lang="en-US"/>
+          </a:p>
+        </p:txBody>
+      </p:sp>
+    </p:spTree>
+    <p:extLst>
+      <p:ext uri="{BB962C8B-B14F-4D97-AF65-F5344CB8AC3E}">
+        <p14:creationId xmlns:p14="http://schemas.microsoft.com/office/powerpoint/2010/main" val="2016482087"/>
+      </p:ext>
+    </p:extLst>
+  </p:cSld>
+  <p:clrMapOvr>
+    <a:masterClrMapping/>
+  </p:clrMapOvr>
+</p:sld>
+</file>
+
+<file path=ppt/slides/slide3.xml><?xml version="1.0" encoding="utf-8"?>
+<p:sld xmlns:a="http://schemas.openxmlformats.org/drawingml/2006/main" xmlns:r="http://schemas.openxmlformats.org/officeDocument/2006/relationships" xmlns:p="http://schemas.openxmlformats.org/presentationml/2006/main">
+  <p:cSld>
+    <p:spTree>
+      <p:nvGrpSpPr>
+        <p:cNvPr id="1" name=""/>
+        <p:cNvGrpSpPr/>
+        <p:nvPr/>
+      </p:nvGrpSpPr>
+      <p:grpSpPr>
+        <a:xfrm>
+          <a:off x="0" y="0"/>
+          <a:ext cx="0" cy="0"/>
+          <a:chOff x="0" y="0"/>
+          <a:chExt cx="0" cy="0"/>
+        </a:xfrm>
+      </p:grpSpPr>
+      <p:sp>
+        <p:nvSpPr>
+          <p:cNvPr id="2" name="Title 1"/>
+          <p:cNvSpPr>
+            <a:spLocks noGrp="1"/>
+          </p:cNvSpPr>
+          <p:nvPr>
+            <p:ph type="title"/>
+          </p:nvPr>
+        </p:nvSpPr>
+        <p:spPr/>
+        <p:txBody>
+          <a:bodyPr/>
+          <a:lstStyle/>
+          <a:p>
+            <a:r>
+              <a:rPr lang="en-US" dirty="0"/>
+              <a:t>Question 223.12.3</a:t>
+            </a:r>
+          </a:p>
+        </p:txBody>
+      </p:sp>
+      <p:sp>
+        <p:nvSpPr>
+          <p:cNvPr id="3" name="Content Placeholder 2"/>
+          <p:cNvSpPr>
+            <a:spLocks noGrp="1"/>
+          </p:cNvSpPr>
+          <p:nvPr>
+            <p:ph idx="1"/>
+          </p:nvPr>
+        </p:nvSpPr>
+        <p:spPr/>
+        <p:txBody>
+          <a:bodyPr>
+            <a:normAutofit lnSpcReduction="10000"/>
+          </a:bodyPr>
+          <a:lstStyle/>
+          <a:p>
+            <a:pPr>
+              <a:buNone/>
+            </a:pPr>
+            <a:r>
+              <a:rPr lang="en-US" dirty="0"/>
+              <a:t>I have a circular aperture illuminated by a laser. The aperture Diameter is  D and the light that passes through the slit lands on the screen, </a:t>
+            </a:r>
+            <a:r>
+              <a:rPr lang="en-US" i="1" dirty="0"/>
+              <a:t>a</a:t>
+            </a:r>
+            <a:r>
+              <a:rPr lang="en-US" dirty="0"/>
+              <a:t> distance  </a:t>
+            </a:r>
+            <a:r>
+              <a:rPr lang="en-US" i="1" dirty="0"/>
+              <a:t>L</a:t>
+            </a:r>
+            <a:r>
+              <a:rPr lang="en-US" dirty="0"/>
+              <a:t> away. If the aperture size increases, the size of the central spot will</a:t>
+            </a:r>
+          </a:p>
+          <a:p>
+            <a:pPr marL="514350" indent="-514350">
+              <a:buFont typeface="+mj-lt"/>
+              <a:buAutoNum type="alphaLcParenR"/>
+            </a:pPr>
+            <a:r>
+              <a:rPr lang="en-US" dirty="0"/>
+              <a:t>Increase</a:t>
+            </a:r>
+          </a:p>
+          <a:p>
+            <a:pPr marL="514350" indent="-514350">
+              <a:buFont typeface="+mj-lt"/>
+              <a:buAutoNum type="alphaLcParenR"/>
+            </a:pPr>
+            <a:r>
+              <a:rPr lang="en-US" dirty="0"/>
+              <a:t>Decrease</a:t>
+            </a:r>
+          </a:p>
+          <a:p>
+            <a:pPr marL="514350" indent="-514350">
+              <a:buFont typeface="+mj-lt"/>
+              <a:buAutoNum type="alphaLcParenR"/>
+            </a:pPr>
+            <a:r>
+              <a:rPr lang="en-US" dirty="0"/>
+              <a:t>Stay the same</a:t>
+            </a:r>
+          </a:p>
+          <a:p>
+            <a:pPr marL="514350" indent="-514350">
+              <a:buFont typeface="+mj-lt"/>
+              <a:buAutoNum type="alphaLcParenR"/>
+            </a:pPr>
+            <a:r>
+              <a:rPr lang="en-US" dirty="0"/>
+              <a:t>Impossible to tell </a:t>
+            </a:r>
+          </a:p>
+        </p:txBody>
+      </p:sp>
+      <p:sp>
+        <p:nvSpPr>
+          <p:cNvPr id="4" name="Slide Number Placeholder 3"/>
+          <p:cNvSpPr>
+            <a:spLocks noGrp="1"/>
+          </p:cNvSpPr>
+          <p:nvPr>
+            <p:ph type="sldNum" sz="quarter" idx="12"/>
+          </p:nvPr>
+        </p:nvSpPr>
+        <p:spPr/>
+        <p:txBody>
+          <a:bodyPr/>
+          <a:lstStyle/>
+          <a:p>
+            <a:pPr>
+              <a:defRPr/>
+            </a:pPr>
+            <a:fld id="{64137B81-8888-4253-92EC-0AED2A590749}" type="slidenum">
+              <a:rPr lang="en-US" smtClean="0"/>
+              <a:pPr>
+                <a:defRPr/>
+              </a:pPr>
+              <a:t>3</a:t>
+            </a:fld>
+            <a:endParaRPr lang="en-US"/>
+          </a:p>
+        </p:txBody>
+      </p:sp>
+    </p:spTree>
+  </p:cSld>
+  <p:clrMapOvr>
+    <a:masterClrMapping/>
+  </p:clrMapOvr>
+</p:sld>
+</file>
+
+<file path=ppt/slides/slide4.xml><?xml version="1.0" encoding="utf-8"?>
 <p:sld xmlns:a="http://schemas.openxmlformats.org/drawingml/2006/main" xmlns:r="http://schemas.openxmlformats.org/officeDocument/2006/relationships" xmlns:p="http://schemas.openxmlformats.org/presentationml/2006/main">
   <p:cSld>
     <p:spTree>
@@ -33538,7 +34874,7 @@
           <a:lstStyle/>
           <a:p>
             <a:r>
-              <a:rPr lang="en-US" sz="2800" dirty="0" smtClean="0">
+              <a:rPr lang="en-US" sz="2800" dirty="0">
                 <a:sym typeface="Symbol"/>
               </a:rPr>
               <a:t></a:t>
@@ -33607,10 +34943,9 @@
           <a:lstStyle/>
           <a:p>
             <a:r>
-              <a:rPr lang="en-US" sz="2400" dirty="0" smtClean="0"/>
+              <a:rPr lang="en-US" sz="2400" dirty="0"/>
               <a:t>D</a:t>
             </a:r>
-            <a:endParaRPr lang="en-US" sz="2400" dirty="0"/>
           </a:p>
         </p:txBody>
       </p:sp>
@@ -33637,10 +34972,9 @@
           <a:lstStyle/>
           <a:p>
             <a:r>
-              <a:rPr lang="en-US" sz="2400" dirty="0" smtClean="0"/>
+              <a:rPr lang="en-US" sz="2400" dirty="0"/>
               <a:t>Circular Aperture</a:t>
             </a:r>
-            <a:endParaRPr lang="en-US" sz="2400" dirty="0"/>
           </a:p>
         </p:txBody>
       </p:sp>
@@ -33851,10 +35185,9 @@
           <a:lstStyle/>
           <a:p>
             <a:r>
-              <a:rPr lang="en-US" sz="2000" dirty="0" smtClean="0"/>
+              <a:rPr lang="en-US" sz="2000" dirty="0"/>
               <a:t>First Minimum</a:t>
             </a:r>
-            <a:endParaRPr lang="en-US" sz="2000" dirty="0"/>
           </a:p>
         </p:txBody>
       </p:sp>
@@ -33881,10 +35214,9 @@
           <a:lstStyle/>
           <a:p>
             <a:r>
-              <a:rPr lang="en-US" sz="2000" dirty="0" smtClean="0"/>
+              <a:rPr lang="en-US" sz="2000" dirty="0"/>
               <a:t>Central Maximum</a:t>
             </a:r>
-            <a:endParaRPr lang="en-US" sz="2000" dirty="0"/>
           </a:p>
         </p:txBody>
       </p:sp>
@@ -33993,10 +35325,9 @@
           <a:lstStyle/>
           <a:p>
             <a:r>
-              <a:rPr lang="en-US" sz="2000" dirty="0" smtClean="0"/>
+              <a:rPr lang="en-US" sz="2000" dirty="0"/>
               <a:t>Intensity Pattern</a:t>
             </a:r>
-            <a:endParaRPr lang="en-US" sz="2000" dirty="0"/>
           </a:p>
         </p:txBody>
       </p:sp>
@@ -34023,10 +35354,9 @@
           <a:lstStyle/>
           <a:p>
             <a:r>
-              <a:rPr lang="en-US" sz="2400" dirty="0" smtClean="0"/>
+              <a:rPr lang="en-US" sz="2400" dirty="0"/>
               <a:t>w</a:t>
             </a:r>
-            <a:endParaRPr lang="en-US" sz="2400" dirty="0"/>
           </a:p>
         </p:txBody>
       </p:sp>
@@ -34129,10 +35459,9 @@
           <a:lstStyle/>
           <a:p>
             <a:r>
-              <a:rPr lang="en-US" sz="2800" dirty="0" smtClean="0"/>
+              <a:rPr lang="en-US" sz="2800" dirty="0"/>
               <a:t>L</a:t>
             </a:r>
-            <a:endParaRPr lang="en-US" sz="2800" dirty="0"/>
           </a:p>
         </p:txBody>
       </p:sp>
@@ -34144,7 +35473,7 @@
 </p:sld>
 </file>
 
-<file path=ppt/slides/slide3.xml><?xml version="1.0" encoding="utf-8"?>
+<file path=ppt/slides/slide5.xml><?xml version="1.0" encoding="utf-8"?>
 <p:sld xmlns:a="http://schemas.openxmlformats.org/drawingml/2006/main" xmlns:r="http://schemas.openxmlformats.org/officeDocument/2006/relationships" xmlns:p="http://schemas.openxmlformats.org/presentationml/2006/main">
   <p:cSld>
     <p:spTree>
@@ -34240,7 +35569,7 @@
 </p:sld>
 </file>
 
-<file path=ppt/slides/slide4.xml><?xml version="1.0" encoding="utf-8"?>
+<file path=ppt/slides/slide6.xml><?xml version="1.0" encoding="utf-8"?>
 <p:sld xmlns:a="http://schemas.openxmlformats.org/drawingml/2006/main" xmlns:r="http://schemas.openxmlformats.org/officeDocument/2006/relationships" xmlns:p="http://schemas.openxmlformats.org/presentationml/2006/main">
   <p:cSld>
     <p:spTree>
@@ -34336,7 +35665,7 @@
 </p:sld>
 </file>
 
-<file path=ppt/slides/slide5.xml><?xml version="1.0" encoding="utf-8"?>
+<file path=ppt/slides/slide7.xml><?xml version="1.0" encoding="utf-8"?>
 <p:sld xmlns:a="http://schemas.openxmlformats.org/drawingml/2006/main" xmlns:r="http://schemas.openxmlformats.org/officeDocument/2006/relationships" xmlns:p="http://schemas.openxmlformats.org/presentationml/2006/main">
   <p:cSld>
     <p:spTree>
@@ -34432,7 +35761,158 @@
 </p:sld>
 </file>
 
-<file path=ppt/slides/slide6.xml><?xml version="1.0" encoding="utf-8"?>
+<file path=ppt/slides/slide8.xml><?xml version="1.0" encoding="utf-8"?>
+<p:sld xmlns:a="http://schemas.openxmlformats.org/drawingml/2006/main" xmlns:r="http://schemas.openxmlformats.org/officeDocument/2006/relationships" xmlns:p="http://schemas.openxmlformats.org/presentationml/2006/main">
+  <p:cSld>
+    <p:spTree>
+      <p:nvGrpSpPr>
+        <p:cNvPr id="1" name=""/>
+        <p:cNvGrpSpPr/>
+        <p:nvPr/>
+      </p:nvGrpSpPr>
+      <p:grpSpPr>
+        <a:xfrm>
+          <a:off x="0" y="0"/>
+          <a:ext cx="0" cy="0"/>
+          <a:chOff x="0" y="0"/>
+          <a:chExt cx="0" cy="0"/>
+        </a:xfrm>
+      </p:grpSpPr>
+      <p:sp>
+        <p:nvSpPr>
+          <p:cNvPr id="2" name="Title 1"/>
+          <p:cNvSpPr>
+            <a:spLocks noGrp="1"/>
+          </p:cNvSpPr>
+          <p:nvPr>
+            <p:ph type="title"/>
+          </p:nvPr>
+        </p:nvSpPr>
+        <p:spPr/>
+        <p:txBody>
+          <a:bodyPr/>
+          <a:lstStyle/>
+          <a:p>
+            <a:r>
+              <a:rPr lang="en-US" dirty="0"/>
+              <a:t>Question 223.12.4</a:t>
+            </a:r>
+          </a:p>
+        </p:txBody>
+      </p:sp>
+      <p:sp>
+        <p:nvSpPr>
+          <p:cNvPr id="3" name="Content Placeholder 2"/>
+          <p:cNvSpPr>
+            <a:spLocks noGrp="1"/>
+          </p:cNvSpPr>
+          <p:nvPr>
+            <p:ph idx="1"/>
+          </p:nvPr>
+        </p:nvSpPr>
+        <p:spPr/>
+        <p:txBody>
+          <a:bodyPr>
+            <a:normAutofit fontScale="92500" lnSpcReduction="10000"/>
+          </a:bodyPr>
+          <a:lstStyle/>
+          <a:p>
+            <a:pPr>
+              <a:buNone/>
+            </a:pPr>
+            <a:r>
+              <a:rPr lang="en-US" dirty="0"/>
+              <a:t>I have a laser pointer with a wavelength of 632nm and a beam profile that is about half a millimeter across.  I shine it through a circular aperture with a diameter of 1m. About how big is the central spot on a screen 10m away?</a:t>
+            </a:r>
+          </a:p>
+          <a:p>
+            <a:pPr marL="514350" indent="-514350">
+              <a:buFont typeface="+mj-lt"/>
+              <a:buAutoNum type="alphaLcParenR"/>
+            </a:pPr>
+            <a:r>
+              <a:rPr lang="en-US" dirty="0"/>
+              <a:t>6.1683 x 10</a:t>
+            </a:r>
+            <a:r>
+              <a:rPr lang="en-US" baseline="30000" dirty="0"/>
+              <a:t>-6</a:t>
+            </a:r>
+            <a:r>
+              <a:rPr lang="en-US" dirty="0"/>
+              <a:t>m</a:t>
+            </a:r>
+          </a:p>
+          <a:p>
+            <a:pPr marL="514350" indent="-514350">
+              <a:buFont typeface="+mj-lt"/>
+              <a:buAutoNum type="alphaLcParenR"/>
+            </a:pPr>
+            <a:r>
+              <a:rPr lang="en-US" dirty="0"/>
+              <a:t>A few millimeters</a:t>
+            </a:r>
+          </a:p>
+          <a:p>
+            <a:pPr marL="514350" indent="-514350">
+              <a:buFont typeface="+mj-lt"/>
+              <a:buAutoNum type="alphaLcParenR"/>
+            </a:pPr>
+            <a:r>
+              <a:rPr lang="en-US" dirty="0"/>
+              <a:t>Maybe a centimeter or two</a:t>
+            </a:r>
+          </a:p>
+          <a:p>
+            <a:pPr marL="514350" indent="-514350">
+              <a:buFont typeface="+mj-lt"/>
+              <a:buAutoNum type="alphaLcParenR"/>
+            </a:pPr>
+            <a:r>
+              <a:rPr lang="en-US" dirty="0"/>
+              <a:t>About a meter</a:t>
+            </a:r>
+          </a:p>
+        </p:txBody>
+      </p:sp>
+      <p:sp>
+        <p:nvSpPr>
+          <p:cNvPr id="4" name="Slide Number Placeholder 3"/>
+          <p:cNvSpPr>
+            <a:spLocks noGrp="1"/>
+          </p:cNvSpPr>
+          <p:nvPr>
+            <p:ph type="sldNum" sz="quarter" idx="12"/>
+          </p:nvPr>
+        </p:nvSpPr>
+        <p:spPr/>
+        <p:txBody>
+          <a:bodyPr/>
+          <a:lstStyle/>
+          <a:p>
+            <a:pPr>
+              <a:defRPr/>
+            </a:pPr>
+            <a:fld id="{64137B81-8888-4253-92EC-0AED2A590749}" type="slidenum">
+              <a:rPr lang="en-US" smtClean="0"/>
+              <a:pPr>
+                <a:defRPr/>
+              </a:pPr>
+              <a:t>8</a:t>
+            </a:fld>
+            <a:endParaRPr lang="en-US"/>
+          </a:p>
+        </p:txBody>
+      </p:sp>
+    </p:spTree>
+  </p:cSld>
+  <p:clrMapOvr>
+    <a:masterClrMapping/>
+  </p:clrMapOvr>
+</p:sld>
+</file>
+
+<file path=ppt/slides/slide9.xml><?xml version="1.0" encoding="utf-8"?>
 <p:sld xmlns:a="http://schemas.openxmlformats.org/drawingml/2006/main" xmlns:r="http://schemas.openxmlformats.org/officeDocument/2006/relationships" xmlns:p="http://schemas.openxmlformats.org/presentationml/2006/main">
   <p:cSld>
     <p:spTree>
@@ -34520,814 +36000,6 @@
           <a:effectLst/>
         </p:spPr>
       </p:pic>
-    </p:spTree>
-  </p:cSld>
-  <p:clrMapOvr>
-    <a:masterClrMapping/>
-  </p:clrMapOvr>
-</p:sld>
-</file>
-
-<file path=ppt/slides/slide7.xml><?xml version="1.0" encoding="utf-8"?>
-<p:sld xmlns:a="http://schemas.openxmlformats.org/drawingml/2006/main" xmlns:r="http://schemas.openxmlformats.org/officeDocument/2006/relationships" xmlns:p="http://schemas.openxmlformats.org/presentationml/2006/main">
-  <p:cSld>
-    <p:spTree>
-      <p:nvGrpSpPr>
-        <p:cNvPr id="1" name=""/>
-        <p:cNvGrpSpPr/>
-        <p:nvPr/>
-      </p:nvGrpSpPr>
-      <p:grpSpPr>
-        <a:xfrm>
-          <a:off x="0" y="0"/>
-          <a:ext cx="0" cy="0"/>
-          <a:chOff x="0" y="0"/>
-          <a:chExt cx="0" cy="0"/>
-        </a:xfrm>
-      </p:grpSpPr>
-      <p:pic>
-        <p:nvPicPr>
-          <p:cNvPr id="3074" name="Picture 2"/>
-          <p:cNvPicPr>
-            <a:picLocks noChangeAspect="1" noChangeArrowheads="1"/>
-          </p:cNvPicPr>
-          <p:nvPr/>
-        </p:nvPicPr>
-        <p:blipFill>
-          <a:blip r:embed="rId2" cstate="print"/>
-          <a:srcRect/>
-          <a:stretch>
-            <a:fillRect/>
-          </a:stretch>
-        </p:blipFill>
-        <p:spPr bwMode="auto">
-          <a:xfrm>
-            <a:off x="228600" y="228600"/>
-            <a:ext cx="8610600" cy="6402060"/>
-          </a:xfrm>
-          <a:prstGeom prst="rect">
-            <a:avLst/>
-          </a:prstGeom>
-          <a:noFill/>
-          <a:ln w="9525">
-            <a:noFill/>
-            <a:miter lim="800000"/>
-            <a:headEnd/>
-            <a:tailEnd/>
-          </a:ln>
-          <a:effectLst/>
-        </p:spPr>
-      </p:pic>
-    </p:spTree>
-  </p:cSld>
-  <p:clrMapOvr>
-    <a:masterClrMapping/>
-  </p:clrMapOvr>
-</p:sld>
-</file>
-
-<file path=ppt/slides/slide8.xml><?xml version="1.0" encoding="utf-8"?>
-<p:sld xmlns:a="http://schemas.openxmlformats.org/drawingml/2006/main" xmlns:r="http://schemas.openxmlformats.org/officeDocument/2006/relationships" xmlns:p="http://schemas.openxmlformats.org/presentationml/2006/main">
-  <p:cSld>
-    <p:spTree>
-      <p:nvGrpSpPr>
-        <p:cNvPr id="1" name=""/>
-        <p:cNvGrpSpPr/>
-        <p:nvPr/>
-      </p:nvGrpSpPr>
-      <p:grpSpPr>
-        <a:xfrm>
-          <a:off x="0" y="0"/>
-          <a:ext cx="0" cy="0"/>
-          <a:chOff x="0" y="0"/>
-          <a:chExt cx="0" cy="0"/>
-        </a:xfrm>
-      </p:grpSpPr>
-      <p:pic>
-        <p:nvPicPr>
-          <p:cNvPr id="7169" name="Picture 1"/>
-          <p:cNvPicPr>
-            <a:picLocks noChangeAspect="1" noChangeArrowheads="1"/>
-          </p:cNvPicPr>
-          <p:nvPr/>
-        </p:nvPicPr>
-        <p:blipFill>
-          <a:blip r:embed="rId2" cstate="print"/>
-          <a:srcRect/>
-          <a:stretch>
-            <a:fillRect/>
-          </a:stretch>
-        </p:blipFill>
-        <p:spPr bwMode="auto">
-          <a:xfrm>
-            <a:off x="1404938" y="319088"/>
-            <a:ext cx="6334125" cy="6219825"/>
-          </a:xfrm>
-          <a:prstGeom prst="rect">
-            <a:avLst/>
-          </a:prstGeom>
-          <a:noFill/>
-          <a:ln w="9525">
-            <a:noFill/>
-            <a:miter lim="800000"/>
-            <a:headEnd/>
-            <a:tailEnd/>
-          </a:ln>
-          <a:effectLst/>
-        </p:spPr>
-      </p:pic>
-      <p:sp>
-        <p:nvSpPr>
-          <p:cNvPr id="3" name="TextBox 2"/>
-          <p:cNvSpPr txBox="1"/>
-          <p:nvPr/>
-        </p:nvSpPr>
-        <p:spPr>
-          <a:xfrm>
-            <a:off x="5059680" y="1691640"/>
-            <a:ext cx="360996" cy="369332"/>
-          </a:xfrm>
-          <a:prstGeom prst="rect">
-            <a:avLst/>
-          </a:prstGeom>
-          <a:noFill/>
-        </p:spPr>
-        <p:txBody>
-          <a:bodyPr wrap="none" rtlCol="0">
-            <a:spAutoFit/>
-          </a:bodyPr>
-          <a:lstStyle/>
-          <a:p>
-            <a:r>
-              <a:rPr lang="en-US" dirty="0" smtClean="0"/>
-              <a:t>L</a:t>
-            </a:r>
-            <a:r>
-              <a:rPr lang="en-US" baseline="-25000" dirty="0" smtClean="0"/>
-              <a:t>1</a:t>
-            </a:r>
-            <a:endParaRPr lang="en-US" baseline="-25000" dirty="0"/>
-          </a:p>
-        </p:txBody>
-      </p:sp>
-      <p:sp>
-        <p:nvSpPr>
-          <p:cNvPr id="4" name="TextBox 3"/>
-          <p:cNvSpPr txBox="1"/>
-          <p:nvPr/>
-        </p:nvSpPr>
-        <p:spPr>
-          <a:xfrm>
-            <a:off x="5608320" y="2971800"/>
-            <a:ext cx="360996" cy="369332"/>
-          </a:xfrm>
-          <a:prstGeom prst="rect">
-            <a:avLst/>
-          </a:prstGeom>
-          <a:noFill/>
-        </p:spPr>
-        <p:txBody>
-          <a:bodyPr wrap="none" rtlCol="0">
-            <a:spAutoFit/>
-          </a:bodyPr>
-          <a:lstStyle/>
-          <a:p>
-            <a:r>
-              <a:rPr lang="en-US" dirty="0" smtClean="0"/>
-              <a:t>L</a:t>
-            </a:r>
-            <a:r>
-              <a:rPr lang="en-US" baseline="-25000" dirty="0" smtClean="0"/>
-              <a:t>2</a:t>
-            </a:r>
-            <a:endParaRPr lang="en-US" baseline="-25000" dirty="0"/>
-          </a:p>
-        </p:txBody>
-      </p:sp>
-    </p:spTree>
-  </p:cSld>
-  <p:clrMapOvr>
-    <a:masterClrMapping/>
-  </p:clrMapOvr>
-</p:sld>
-</file>
-
-<file path=ppt/slides/slide9.xml><?xml version="1.0" encoding="utf-8"?>
-<p:sld xmlns:a="http://schemas.openxmlformats.org/drawingml/2006/main" xmlns:r="http://schemas.openxmlformats.org/officeDocument/2006/relationships" xmlns:p="http://schemas.openxmlformats.org/presentationml/2006/main">
-  <p:cSld>
-    <p:spTree>
-      <p:nvGrpSpPr>
-        <p:cNvPr id="1" name=""/>
-        <p:cNvGrpSpPr/>
-        <p:nvPr/>
-      </p:nvGrpSpPr>
-      <p:grpSpPr>
-        <a:xfrm>
-          <a:off x="0" y="0"/>
-          <a:ext cx="0" cy="0"/>
-          <a:chOff x="0" y="0"/>
-          <a:chExt cx="0" cy="0"/>
-        </a:xfrm>
-      </p:grpSpPr>
-      <p:pic>
-        <p:nvPicPr>
-          <p:cNvPr id="6148" name="Picture 4" descr="G:\DCIM\100CASIO\CIMG0507.JPG"/>
-          <p:cNvPicPr>
-            <a:picLocks noChangeAspect="1" noChangeArrowheads="1"/>
-          </p:cNvPicPr>
-          <p:nvPr/>
-        </p:nvPicPr>
-        <p:blipFill>
-          <a:blip r:embed="rId2" cstate="print">
-            <a:lum bright="-40000" contrast="40000"/>
-          </a:blip>
-          <a:srcRect l="20270" t="16216" r="29054" b="18919"/>
-          <a:stretch>
-            <a:fillRect/>
-          </a:stretch>
-        </p:blipFill>
-        <p:spPr bwMode="auto">
-          <a:xfrm>
-            <a:off x="1686348" y="969935"/>
-            <a:ext cx="1905000" cy="1828800"/>
-          </a:xfrm>
-          <a:prstGeom prst="rect">
-            <a:avLst/>
-          </a:prstGeom>
-          <a:noFill/>
-        </p:spPr>
-      </p:pic>
-      <p:pic>
-        <p:nvPicPr>
-          <p:cNvPr id="6150" name="Picture 6" descr="G:\DCIM\100CASIO\CIMG0506.JPG"/>
-          <p:cNvPicPr>
-            <a:picLocks noChangeAspect="1" noChangeArrowheads="1"/>
-          </p:cNvPicPr>
-          <p:nvPr/>
-        </p:nvPicPr>
-        <p:blipFill>
-          <a:blip r:embed="rId3" cstate="print">
-            <a:lum bright="-40000" contrast="40000"/>
-          </a:blip>
-          <a:srcRect l="15789" r="21053" b="15789"/>
-          <a:stretch>
-            <a:fillRect/>
-          </a:stretch>
-        </p:blipFill>
-        <p:spPr bwMode="auto">
-          <a:xfrm>
-            <a:off x="3515148" y="969935"/>
-            <a:ext cx="1828800" cy="1828800"/>
-          </a:xfrm>
-          <a:prstGeom prst="rect">
-            <a:avLst/>
-          </a:prstGeom>
-          <a:noFill/>
-        </p:spPr>
-      </p:pic>
-      <p:pic>
-        <p:nvPicPr>
-          <p:cNvPr id="6151" name="Picture 7" descr="G:\DCIM\100CASIO\CIMG0511.JPG"/>
-          <p:cNvPicPr>
-            <a:picLocks noChangeAspect="1" noChangeArrowheads="1"/>
-          </p:cNvPicPr>
-          <p:nvPr/>
-        </p:nvPicPr>
-        <p:blipFill>
-          <a:blip r:embed="rId4" cstate="print">
-            <a:lum bright="-40000" contrast="20000"/>
-          </a:blip>
-          <a:srcRect l="25000" t="8709" r="20000" b="21613"/>
-          <a:stretch>
-            <a:fillRect/>
-          </a:stretch>
-        </p:blipFill>
-        <p:spPr bwMode="auto">
-          <a:xfrm>
-            <a:off x="5343948" y="969935"/>
-            <a:ext cx="1924756" cy="1828800"/>
-          </a:xfrm>
-          <a:prstGeom prst="rect">
-            <a:avLst/>
-          </a:prstGeom>
-          <a:noFill/>
-        </p:spPr>
-      </p:pic>
-      <p:grpSp>
-        <p:nvGrpSpPr>
-          <p:cNvPr id="18" name="Group 17"/>
-          <p:cNvGrpSpPr/>
-          <p:nvPr/>
-        </p:nvGrpSpPr>
-        <p:grpSpPr>
-          <a:xfrm>
-            <a:off x="2941234" y="4339568"/>
-            <a:ext cx="2641600" cy="1981200"/>
-            <a:chOff x="2266244" y="914400"/>
-            <a:chExt cx="2641600" cy="1981200"/>
-          </a:xfrm>
-        </p:grpSpPr>
-        <p:pic>
-          <p:nvPicPr>
-            <p:cNvPr id="6152" name="Picture 8" descr="G:\DCIM\100CASIO\CIMG0510.JPG"/>
-            <p:cNvPicPr>
-              <a:picLocks noChangeAspect="1" noChangeArrowheads="1"/>
-            </p:cNvPicPr>
-            <p:nvPr/>
-          </p:nvPicPr>
-          <p:blipFill>
-            <a:blip r:embed="rId5" cstate="print"/>
-            <a:srcRect/>
-            <a:stretch>
-              <a:fillRect/>
-            </a:stretch>
-          </p:blipFill>
-          <p:spPr bwMode="auto">
-            <a:xfrm>
-              <a:off x="2266244" y="914400"/>
-              <a:ext cx="2641600" cy="1981200"/>
-            </a:xfrm>
-            <a:prstGeom prst="rect">
-              <a:avLst/>
-            </a:prstGeom>
-            <a:noFill/>
-          </p:spPr>
-        </p:pic>
-        <p:pic>
-          <p:nvPicPr>
-            <p:cNvPr id="16" name="Picture 8" descr="G:\DCIM\100CASIO\CIMG0510.JPG"/>
-            <p:cNvPicPr>
-              <a:picLocks noChangeAspect="1" noChangeArrowheads="1"/>
-            </p:cNvPicPr>
-            <p:nvPr/>
-          </p:nvPicPr>
-          <p:blipFill>
-            <a:blip r:embed="rId5" cstate="print"/>
-            <a:srcRect l="39510" t="23438" r="53099" b="69231"/>
-            <a:stretch>
-              <a:fillRect/>
-            </a:stretch>
-          </p:blipFill>
-          <p:spPr bwMode="auto">
-            <a:xfrm>
-              <a:off x="3267075" y="1250157"/>
-              <a:ext cx="195263" cy="145257"/>
-            </a:xfrm>
-            <a:prstGeom prst="rect">
-              <a:avLst/>
-            </a:prstGeom>
-            <a:noFill/>
-          </p:spPr>
-        </p:pic>
-        <p:pic>
-          <p:nvPicPr>
-            <p:cNvPr id="17" name="Picture 8" descr="G:\DCIM\100CASIO\CIMG0510.JPG"/>
-            <p:cNvPicPr>
-              <a:picLocks noChangeAspect="1" noChangeArrowheads="1"/>
-            </p:cNvPicPr>
-            <p:nvPr/>
-          </p:nvPicPr>
-          <p:blipFill>
-            <a:blip r:embed="rId5" cstate="print">
-              <a:lum bright="10000"/>
-            </a:blip>
-            <a:srcRect l="38248" t="23438" r="56434" b="69231"/>
-            <a:stretch>
-              <a:fillRect/>
-            </a:stretch>
-          </p:blipFill>
-          <p:spPr bwMode="auto">
-            <a:xfrm>
-              <a:off x="3445670" y="1259681"/>
-              <a:ext cx="140493" cy="145257"/>
-            </a:xfrm>
-            <a:prstGeom prst="rect">
-              <a:avLst/>
-            </a:prstGeom>
-            <a:noFill/>
-          </p:spPr>
-        </p:pic>
-      </p:grpSp>
-      <p:sp>
-        <p:nvSpPr>
-          <p:cNvPr id="19" name="TextBox 18"/>
-          <p:cNvSpPr txBox="1"/>
-          <p:nvPr/>
-        </p:nvSpPr>
-        <p:spPr>
-          <a:xfrm>
-            <a:off x="1961350" y="4897508"/>
-            <a:ext cx="976393" cy="369332"/>
-          </a:xfrm>
-          <a:prstGeom prst="rect">
-            <a:avLst/>
-          </a:prstGeom>
-          <a:noFill/>
-        </p:spPr>
-        <p:txBody>
-          <a:bodyPr wrap="square" rtlCol="0">
-            <a:spAutoFit/>
-          </a:bodyPr>
-          <a:lstStyle/>
-          <a:p>
-            <a:r>
-              <a:rPr lang="en-US" dirty="0" smtClean="0"/>
-              <a:t>Laser</a:t>
-            </a:r>
-            <a:endParaRPr lang="en-US" dirty="0"/>
-          </a:p>
-        </p:txBody>
-      </p:sp>
-      <p:sp>
-        <p:nvSpPr>
-          <p:cNvPr id="20" name="TextBox 19"/>
-          <p:cNvSpPr txBox="1"/>
-          <p:nvPr/>
-        </p:nvSpPr>
-        <p:spPr>
-          <a:xfrm>
-            <a:off x="5910835" y="5034410"/>
-            <a:ext cx="1583410" cy="646331"/>
-          </a:xfrm>
-          <a:prstGeom prst="rect">
-            <a:avLst/>
-          </a:prstGeom>
-          <a:noFill/>
-        </p:spPr>
-        <p:txBody>
-          <a:bodyPr wrap="square" rtlCol="0">
-            <a:spAutoFit/>
-          </a:bodyPr>
-          <a:lstStyle/>
-          <a:p>
-            <a:r>
-              <a:rPr lang="en-US" dirty="0" smtClean="0"/>
-              <a:t>Movable Mirror</a:t>
-            </a:r>
-            <a:endParaRPr lang="en-US" dirty="0"/>
-          </a:p>
-        </p:txBody>
-      </p:sp>
-      <p:sp>
-        <p:nvSpPr>
-          <p:cNvPr id="21" name="TextBox 20"/>
-          <p:cNvSpPr txBox="1"/>
-          <p:nvPr/>
-        </p:nvSpPr>
-        <p:spPr>
-          <a:xfrm>
-            <a:off x="4311927" y="6488668"/>
-            <a:ext cx="1583410" cy="369332"/>
-          </a:xfrm>
-          <a:prstGeom prst="rect">
-            <a:avLst/>
-          </a:prstGeom>
-          <a:noFill/>
-        </p:spPr>
-        <p:txBody>
-          <a:bodyPr wrap="square" rtlCol="0">
-            <a:spAutoFit/>
-          </a:bodyPr>
-          <a:lstStyle/>
-          <a:p>
-            <a:r>
-              <a:rPr lang="en-US" dirty="0" smtClean="0"/>
-              <a:t>Fixed Mirror</a:t>
-            </a:r>
-            <a:endParaRPr lang="en-US" dirty="0"/>
-          </a:p>
-        </p:txBody>
-      </p:sp>
-      <p:sp>
-        <p:nvSpPr>
-          <p:cNvPr id="22" name="TextBox 21"/>
-          <p:cNvSpPr txBox="1"/>
-          <p:nvPr/>
-        </p:nvSpPr>
-        <p:spPr>
-          <a:xfrm>
-            <a:off x="1101195" y="6052133"/>
-            <a:ext cx="1583410" cy="369332"/>
-          </a:xfrm>
-          <a:prstGeom prst="rect">
-            <a:avLst/>
-          </a:prstGeom>
-          <a:noFill/>
-        </p:spPr>
-        <p:txBody>
-          <a:bodyPr wrap="square" rtlCol="0">
-            <a:spAutoFit/>
-          </a:bodyPr>
-          <a:lstStyle/>
-          <a:p>
-            <a:r>
-              <a:rPr lang="en-US" dirty="0" smtClean="0"/>
-              <a:t>Beam Splitter</a:t>
-            </a:r>
-            <a:endParaRPr lang="en-US" dirty="0"/>
-          </a:p>
-        </p:txBody>
-      </p:sp>
-      <p:sp>
-        <p:nvSpPr>
-          <p:cNvPr id="23" name="TextBox 22"/>
-          <p:cNvSpPr txBox="1"/>
-          <p:nvPr/>
-        </p:nvSpPr>
-        <p:spPr>
-          <a:xfrm>
-            <a:off x="1694482" y="2903351"/>
-            <a:ext cx="1583410" cy="369332"/>
-          </a:xfrm>
-          <a:prstGeom prst="rect">
-            <a:avLst/>
-          </a:prstGeom>
-          <a:noFill/>
-        </p:spPr>
-        <p:txBody>
-          <a:bodyPr wrap="square" rtlCol="0">
-            <a:spAutoFit/>
-          </a:bodyPr>
-          <a:lstStyle/>
-          <a:p>
-            <a:r>
-              <a:rPr lang="en-US" dirty="0" smtClean="0"/>
-              <a:t>Bright Center</a:t>
-            </a:r>
-            <a:endParaRPr lang="en-US" dirty="0"/>
-          </a:p>
-        </p:txBody>
-      </p:sp>
-      <p:sp>
-        <p:nvSpPr>
-          <p:cNvPr id="24" name="TextBox 23"/>
-          <p:cNvSpPr txBox="1"/>
-          <p:nvPr/>
-        </p:nvSpPr>
-        <p:spPr>
-          <a:xfrm>
-            <a:off x="3784170" y="2900768"/>
-            <a:ext cx="1583410" cy="369332"/>
-          </a:xfrm>
-          <a:prstGeom prst="rect">
-            <a:avLst/>
-          </a:prstGeom>
-          <a:noFill/>
-        </p:spPr>
-        <p:txBody>
-          <a:bodyPr wrap="square" rtlCol="0">
-            <a:spAutoFit/>
-          </a:bodyPr>
-          <a:lstStyle/>
-          <a:p>
-            <a:r>
-              <a:rPr lang="en-US" dirty="0" smtClean="0"/>
-              <a:t>Dark Center</a:t>
-            </a:r>
-            <a:endParaRPr lang="en-US" dirty="0"/>
-          </a:p>
-        </p:txBody>
-      </p:sp>
-      <p:sp>
-        <p:nvSpPr>
-          <p:cNvPr id="25" name="TextBox 24"/>
-          <p:cNvSpPr txBox="1"/>
-          <p:nvPr/>
-        </p:nvSpPr>
-        <p:spPr>
-          <a:xfrm>
-            <a:off x="5625885" y="2898185"/>
-            <a:ext cx="1583410" cy="646331"/>
-          </a:xfrm>
-          <a:prstGeom prst="rect">
-            <a:avLst/>
-          </a:prstGeom>
-          <a:noFill/>
-        </p:spPr>
-        <p:txBody>
-          <a:bodyPr wrap="square" rtlCol="0">
-            <a:spAutoFit/>
-          </a:bodyPr>
-          <a:lstStyle/>
-          <a:p>
-            <a:r>
-              <a:rPr lang="en-US" dirty="0" smtClean="0"/>
-              <a:t>Small Off-Center Fringes</a:t>
-            </a:r>
-            <a:endParaRPr lang="en-US" dirty="0"/>
-          </a:p>
-        </p:txBody>
-      </p:sp>
-      <p:cxnSp>
-        <p:nvCxnSpPr>
-          <p:cNvPr id="27" name="Straight Arrow Connector 26"/>
-          <p:cNvCxnSpPr/>
-          <p:nvPr/>
-        </p:nvCxnSpPr>
-        <p:spPr>
-          <a:xfrm flipV="1">
-            <a:off x="2472794" y="5346959"/>
-            <a:ext cx="1735810" cy="852406"/>
-          </a:xfrm>
-          <a:prstGeom prst="straightConnector1">
-            <a:avLst/>
-          </a:prstGeom>
-          <a:ln>
-            <a:solidFill>
-              <a:srgbClr val="FF0000"/>
-            </a:solidFill>
-            <a:tailEnd type="arrow"/>
-          </a:ln>
-        </p:spPr>
-        <p:style>
-          <a:lnRef idx="1">
-            <a:schemeClr val="accent1"/>
-          </a:lnRef>
-          <a:fillRef idx="0">
-            <a:schemeClr val="accent1"/>
-          </a:fillRef>
-          <a:effectRef idx="0">
-            <a:schemeClr val="accent1"/>
-          </a:effectRef>
-          <a:fontRef idx="minor">
-            <a:schemeClr val="tx1"/>
-          </a:fontRef>
-        </p:style>
-      </p:cxnSp>
-      <p:cxnSp>
-        <p:nvCxnSpPr>
-          <p:cNvPr id="28" name="Straight Arrow Connector 27"/>
-          <p:cNvCxnSpPr/>
-          <p:nvPr/>
-        </p:nvCxnSpPr>
-        <p:spPr>
-          <a:xfrm flipH="1" flipV="1">
-            <a:off x="4348089" y="5997887"/>
-            <a:ext cx="278969" cy="449452"/>
-          </a:xfrm>
-          <a:prstGeom prst="straightConnector1">
-            <a:avLst/>
-          </a:prstGeom>
-          <a:ln>
-            <a:solidFill>
-              <a:srgbClr val="FF0000"/>
-            </a:solidFill>
-            <a:tailEnd type="arrow"/>
-          </a:ln>
-        </p:spPr>
-        <p:style>
-          <a:lnRef idx="1">
-            <a:schemeClr val="accent1"/>
-          </a:lnRef>
-          <a:fillRef idx="0">
-            <a:schemeClr val="accent1"/>
-          </a:fillRef>
-          <a:effectRef idx="0">
-            <a:schemeClr val="accent1"/>
-          </a:effectRef>
-          <a:fontRef idx="minor">
-            <a:schemeClr val="tx1"/>
-          </a:fontRef>
-        </p:style>
-      </p:cxnSp>
-      <p:cxnSp>
-        <p:nvCxnSpPr>
-          <p:cNvPr id="31" name="Straight Arrow Connector 30"/>
-          <p:cNvCxnSpPr/>
-          <p:nvPr/>
-        </p:nvCxnSpPr>
-        <p:spPr>
-          <a:xfrm flipH="1" flipV="1">
-            <a:off x="5244408" y="5204890"/>
-            <a:ext cx="638013" cy="33580"/>
-          </a:xfrm>
-          <a:prstGeom prst="straightConnector1">
-            <a:avLst/>
-          </a:prstGeom>
-          <a:ln>
-            <a:solidFill>
-              <a:srgbClr val="FF0000"/>
-            </a:solidFill>
-            <a:tailEnd type="arrow"/>
-          </a:ln>
-        </p:spPr>
-        <p:style>
-          <a:lnRef idx="1">
-            <a:schemeClr val="accent1"/>
-          </a:lnRef>
-          <a:fillRef idx="0">
-            <a:schemeClr val="accent1"/>
-          </a:fillRef>
-          <a:effectRef idx="0">
-            <a:schemeClr val="accent1"/>
-          </a:effectRef>
-          <a:fontRef idx="minor">
-            <a:schemeClr val="tx1"/>
-          </a:fontRef>
-        </p:style>
-      </p:cxnSp>
-      <p:sp>
-        <p:nvSpPr>
-          <p:cNvPr id="33" name="TextBox 32"/>
-          <p:cNvSpPr txBox="1"/>
-          <p:nvPr/>
-        </p:nvSpPr>
-        <p:spPr>
-          <a:xfrm>
-            <a:off x="4701153" y="3859077"/>
-            <a:ext cx="1583410" cy="369332"/>
-          </a:xfrm>
-          <a:prstGeom prst="rect">
-            <a:avLst/>
-          </a:prstGeom>
-          <a:noFill/>
-        </p:spPr>
-        <p:txBody>
-          <a:bodyPr wrap="square" rtlCol="0">
-            <a:spAutoFit/>
-          </a:bodyPr>
-          <a:lstStyle/>
-          <a:p>
-            <a:r>
-              <a:rPr lang="en-US" smtClean="0"/>
-              <a:t>To Screen</a:t>
-            </a:r>
-            <a:endParaRPr lang="en-US" dirty="0"/>
-          </a:p>
-        </p:txBody>
-      </p:sp>
-      <p:cxnSp>
-        <p:nvCxnSpPr>
-          <p:cNvPr id="34" name="Straight Arrow Connector 33"/>
-          <p:cNvCxnSpPr/>
-          <p:nvPr/>
-        </p:nvCxnSpPr>
-        <p:spPr>
-          <a:xfrm flipH="1" flipV="1">
-            <a:off x="4500489" y="6150287"/>
-            <a:ext cx="278969" cy="449452"/>
-          </a:xfrm>
-          <a:prstGeom prst="straightConnector1">
-            <a:avLst/>
-          </a:prstGeom>
-          <a:ln>
-            <a:solidFill>
-              <a:srgbClr val="FF0000"/>
-            </a:solidFill>
-            <a:tailEnd type="arrow"/>
-          </a:ln>
-        </p:spPr>
-        <p:style>
-          <a:lnRef idx="1">
-            <a:schemeClr val="accent1"/>
-          </a:lnRef>
-          <a:fillRef idx="0">
-            <a:schemeClr val="accent1"/>
-          </a:fillRef>
-          <a:effectRef idx="0">
-            <a:schemeClr val="accent1"/>
-          </a:effectRef>
-          <a:fontRef idx="minor">
-            <a:schemeClr val="tx1"/>
-          </a:fontRef>
-        </p:style>
-      </p:cxnSp>
-      <p:cxnSp>
-        <p:nvCxnSpPr>
-          <p:cNvPr id="35" name="Straight Arrow Connector 34"/>
-          <p:cNvCxnSpPr/>
-          <p:nvPr/>
-        </p:nvCxnSpPr>
-        <p:spPr>
-          <a:xfrm flipH="1" flipV="1">
-            <a:off x="4479010" y="3797085"/>
-            <a:ext cx="5982" cy="648388"/>
-          </a:xfrm>
-          <a:prstGeom prst="straightConnector1">
-            <a:avLst/>
-          </a:prstGeom>
-          <a:ln>
-            <a:solidFill>
-              <a:srgbClr val="FF0000"/>
-            </a:solidFill>
-            <a:tailEnd type="arrow"/>
-          </a:ln>
-        </p:spPr>
-        <p:style>
-          <a:lnRef idx="1">
-            <a:schemeClr val="accent1"/>
-          </a:lnRef>
-          <a:fillRef idx="0">
-            <a:schemeClr val="accent1"/>
-          </a:fillRef>
-          <a:effectRef idx="0">
-            <a:schemeClr val="accent1"/>
-          </a:effectRef>
-          <a:fontRef idx="minor">
-            <a:schemeClr val="tx1"/>
-          </a:fontRef>
-        </p:style>
-      </p:cxnSp>
     </p:spTree>
   </p:cSld>
   <p:clrMapOvr>
